--- a/translations/pt-br/advanced/ProportionalControl.pptx
+++ b/translations/pt-br/advanced/ProportionalControl.pptx
@@ -5,10 +5,10 @@
     <p:sldMasterId id="2147483818" r:id="rId1"/>
   </p:sldMasterIdLst>
   <p:notesMasterIdLst>
-    <p:notesMasterId r:id="rId12"/>
+    <p:notesMasterId r:id="rId10"/>
   </p:notesMasterIdLst>
   <p:handoutMasterIdLst>
-    <p:handoutMasterId r:id="rId13"/>
+    <p:handoutMasterId r:id="rId11"/>
   </p:handoutMasterIdLst>
   <p:sldIdLst>
     <p:sldId id="258" r:id="rId2"/>
@@ -18,9 +18,7 @@
     <p:sldId id="278" r:id="rId6"/>
     <p:sldId id="279" r:id="rId7"/>
     <p:sldId id="280" r:id="rId8"/>
-    <p:sldId id="281" r:id="rId9"/>
-    <p:sldId id="282" r:id="rId10"/>
-    <p:sldId id="274" r:id="rId11"/>
+    <p:sldId id="274" r:id="rId9"/>
   </p:sldIdLst>
   <p:sldSz cx="9144000" cy="6858000" type="screen4x3"/>
   <p:notesSz cx="6858000" cy="9144000"/>
@@ -121,7 +119,7 @@
   </p:defaultTextStyle>
   <p:extLst>
     <p:ext uri="{EFAFB233-063F-42B5-8137-9DF3F51BA10A}">
-      <p15:sldGuideLst xmlns="" xmlns:p15="http://schemas.microsoft.com/office/powerpoint/2012/main">
+      <p15:sldGuideLst xmlns:p15="http://schemas.microsoft.com/office/powerpoint/2012/main">
         <p15:guide id="1" orient="horz" pos="2160">
           <p15:clr>
             <a:srgbClr val="A4A3A4"/>
@@ -220,7 +218,7 @@
           <a:p>
             <a:fld id="{E354B44E-40A3-0E46-B16A-9BF1250A248B}" type="datetimeFigureOut">
               <a:rPr lang="en-US" smtClean="0"/>
-              <a:t>1/29/2015</a:t>
+              <a:t>12/19/15</a:t>
             </a:fld>
             <a:endParaRPr lang="en-US"/>
           </a:p>
@@ -286,7 +284,7 @@
           <a:p>
             <a:fld id="{ACDF1604-CF25-2840-A4A3-96CDE3604995}" type="slidenum">
               <a:rPr lang="en-US" smtClean="0"/>
-              <a:t>‹nº›</a:t>
+              <a:t>‹#›</a:t>
             </a:fld>
             <a:endParaRPr lang="en-US"/>
           </a:p>
@@ -386,7 +384,7 @@
           <a:p>
             <a:fld id="{C86AD16C-2DB4-6642-BAD4-9ED973A087A0}" type="datetimeFigureOut">
               <a:rPr lang="en-US" smtClean="0"/>
-              <a:t>1/29/2015</a:t>
+              <a:t>12/19/15</a:t>
             </a:fld>
             <a:endParaRPr lang="en-US"/>
           </a:p>
@@ -545,7 +543,7 @@
           <a:p>
             <a:fld id="{1E5BF589-3978-3C45-966B-D7B7A71F2A02}" type="slidenum">
               <a:rPr lang="en-US" smtClean="0"/>
-              <a:t>‹nº›</a:t>
+              <a:t>‹#›</a:t>
             </a:fld>
             <a:endParaRPr lang="en-US"/>
           </a:p>
@@ -804,7 +802,91 @@
           <a:p>
             <a:fld id="{1E5BF589-3978-3C45-966B-D7B7A71F2A02}" type="slidenum">
               <a:rPr lang="en-US" smtClean="0"/>
-              <a:t>10</a:t>
+              <a:t>2</a:t>
+            </a:fld>
+            <a:endParaRPr lang="en-US"/>
+          </a:p>
+        </p:txBody>
+      </p:sp>
+    </p:spTree>
+    <p:extLst>
+      <p:ext uri="{BB962C8B-B14F-4D97-AF65-F5344CB8AC3E}">
+        <p14:creationId xmlns:p14="http://schemas.microsoft.com/office/powerpoint/2010/main" val="977283109"/>
+      </p:ext>
+    </p:extLst>
+  </p:cSld>
+  <p:clrMapOvr>
+    <a:masterClrMapping/>
+  </p:clrMapOvr>
+</p:notes>
+</file>
+
+<file path=ppt/notesSlides/notesSlide3.xml><?xml version="1.0" encoding="utf-8"?>
+<p:notes xmlns:a="http://schemas.openxmlformats.org/drawingml/2006/main" xmlns:r="http://schemas.openxmlformats.org/officeDocument/2006/relationships" xmlns:p="http://schemas.openxmlformats.org/presentationml/2006/main">
+  <p:cSld>
+    <p:spTree>
+      <p:nvGrpSpPr>
+        <p:cNvPr id="1" name=""/>
+        <p:cNvGrpSpPr/>
+        <p:nvPr/>
+      </p:nvGrpSpPr>
+      <p:grpSpPr>
+        <a:xfrm>
+          <a:off x="0" y="0"/>
+          <a:ext cx="0" cy="0"/>
+          <a:chOff x="0" y="0"/>
+          <a:chExt cx="0" cy="0"/>
+        </a:xfrm>
+      </p:grpSpPr>
+      <p:sp>
+        <p:nvSpPr>
+          <p:cNvPr id="2" name="Slide Image Placeholder 1"/>
+          <p:cNvSpPr>
+            <a:spLocks noGrp="1" noRot="1" noChangeAspect="1"/>
+          </p:cNvSpPr>
+          <p:nvPr>
+            <p:ph type="sldImg"/>
+          </p:nvPr>
+        </p:nvSpPr>
+        <p:spPr/>
+      </p:sp>
+      <p:sp>
+        <p:nvSpPr>
+          <p:cNvPr id="3" name="Notes Placeholder 2"/>
+          <p:cNvSpPr>
+            <a:spLocks noGrp="1"/>
+          </p:cNvSpPr>
+          <p:nvPr>
+            <p:ph type="body" idx="1"/>
+          </p:nvPr>
+        </p:nvSpPr>
+        <p:spPr/>
+        <p:txBody>
+          <a:bodyPr/>
+          <a:lstStyle/>
+          <a:p>
+            <a:endParaRPr lang="en-US"/>
+          </a:p>
+        </p:txBody>
+      </p:sp>
+      <p:sp>
+        <p:nvSpPr>
+          <p:cNvPr id="4" name="Slide Number Placeholder 3"/>
+          <p:cNvSpPr>
+            <a:spLocks noGrp="1"/>
+          </p:cNvSpPr>
+          <p:nvPr>
+            <p:ph type="sldNum" sz="quarter" idx="10"/>
+          </p:nvPr>
+        </p:nvSpPr>
+        <p:spPr/>
+        <p:txBody>
+          <a:bodyPr/>
+          <a:lstStyle/>
+          <a:p>
+            <a:fld id="{1E5BF589-3978-3C45-966B-D7B7A71F2A02}" type="slidenum">
+              <a:rPr lang="en-US" smtClean="0"/>
+              <a:t>8</a:t>
             </a:fld>
             <a:endParaRPr lang="en-US"/>
           </a:p>
@@ -855,9 +937,9 @@
           <a:bodyPr/>
           <a:lstStyle/>
           <a:p>
-            <a:fld id="{33096F4F-F783-412F-8595-51F4B5E10707}" type="datetime1">
+            <a:fld id="{2390234B-A667-F645-80C2-E91617AEFECC}" type="datetime1">
               <a:rPr lang="en-US" smtClean="0"/>
-              <a:t>1/29/2015</a:t>
+              <a:t>12/19/15</a:t>
             </a:fld>
             <a:endParaRPr lang="en-US"/>
           </a:p>
@@ -879,8 +961,8 @@
           <a:lstStyle/>
           <a:p>
             <a:r>
-              <a:rPr lang="en-US" smtClean="0"/>
-              <a:t>© 2015 EV3Lessons.com, Last edit 1/29/2015</a:t>
+              <a:rPr lang="sk-SK" smtClean="0"/>
+              <a:t>© 2015 EV3Lessons.com, Last edit 12/19/2015</a:t>
             </a:r>
             <a:endParaRPr lang="en-US"/>
           </a:p>
@@ -903,7 +985,7 @@
           <a:p>
             <a:fld id="{7F5CE407-6216-4202-80E4-A30DC2F709B2}" type="slidenum">
               <a:rPr lang="en-US" smtClean="0"/>
-              <a:t>‹nº›</a:t>
+              <a:t>‹#›</a:t>
             </a:fld>
             <a:endParaRPr lang="en-US"/>
           </a:p>
@@ -1584,9 +1666,9 @@
           <a:bodyPr/>
           <a:lstStyle/>
           <a:p>
-            <a:fld id="{1B078562-6C2D-44CF-9055-69B866088E6F}" type="datetime1">
+            <a:fld id="{F4B8727C-DEB2-584A-BEB3-E4FB986B4A66}" type="datetime1">
               <a:rPr lang="en-US" smtClean="0"/>
-              <a:t>1/29/2015</a:t>
+              <a:t>12/19/15</a:t>
             </a:fld>
             <a:endParaRPr lang="en-US"/>
           </a:p>
@@ -1608,8 +1690,8 @@
           <a:lstStyle/>
           <a:p>
             <a:r>
-              <a:rPr lang="en-US" smtClean="0"/>
-              <a:t>© 2015 EV3Lessons.com, Last edit 1/29/2015</a:t>
+              <a:rPr lang="sk-SK" smtClean="0"/>
+              <a:t>© 2015 EV3Lessons.com, Last edit 12/19/2015</a:t>
             </a:r>
             <a:endParaRPr lang="en-US"/>
           </a:p>
@@ -1632,7 +1714,7 @@
           <a:p>
             <a:fld id="{7F5CE407-6216-4202-80E4-A30DC2F709B2}" type="slidenum">
               <a:rPr lang="en-US" smtClean="0"/>
-              <a:t>‹nº›</a:t>
+              <a:t>‹#›</a:t>
             </a:fld>
             <a:endParaRPr lang="en-US"/>
           </a:p>
@@ -2219,9 +2301,9 @@
           <a:bodyPr/>
           <a:lstStyle/>
           <a:p>
-            <a:fld id="{06879AEB-15BA-4D4A-B6BE-0169D371ADDF}" type="datetime1">
+            <a:fld id="{27F50CDA-7B87-D04E-94EF-47AFBAF5D433}" type="datetime1">
               <a:rPr lang="en-US" smtClean="0"/>
-              <a:t>1/29/2015</a:t>
+              <a:t>12/19/15</a:t>
             </a:fld>
             <a:endParaRPr lang="en-US"/>
           </a:p>
@@ -2243,8 +2325,8 @@
           <a:lstStyle/>
           <a:p>
             <a:r>
-              <a:rPr lang="en-US" smtClean="0"/>
-              <a:t>© 2015 EV3Lessons.com, Last edit 1/29/2015</a:t>
+              <a:rPr lang="sk-SK" smtClean="0"/>
+              <a:t>© 2015 EV3Lessons.com, Last edit 12/19/2015</a:t>
             </a:r>
             <a:endParaRPr lang="en-US"/>
           </a:p>
@@ -2267,7 +2349,7 @@
           <a:p>
             <a:fld id="{4382A7F7-08BF-4252-8141-63FB96055BBB}" type="slidenum">
               <a:rPr lang="en-US" smtClean="0"/>
-              <a:t>‹nº›</a:t>
+              <a:t>‹#›</a:t>
             </a:fld>
             <a:endParaRPr lang="en-US"/>
           </a:p>
@@ -2653,9 +2735,9 @@
           <a:bodyPr/>
           <a:lstStyle/>
           <a:p>
-            <a:fld id="{BDA497C5-6B06-401E-99BA-2F5695EA91E7}" type="datetime1">
+            <a:fld id="{78805BC6-DF57-8A43-B2E2-5226BD68E295}" type="datetime1">
               <a:rPr lang="en-US" smtClean="0"/>
-              <a:t>1/29/2015</a:t>
+              <a:t>12/19/15</a:t>
             </a:fld>
             <a:endParaRPr lang="en-US" dirty="0"/>
           </a:p>
@@ -2677,8 +2759,8 @@
           <a:lstStyle/>
           <a:p>
             <a:r>
-              <a:rPr lang="en-US" smtClean="0"/>
-              <a:t>© 2015 EV3Lessons.com, Last edit 1/29/2015</a:t>
+              <a:rPr lang="sk-SK" smtClean="0"/>
+              <a:t>© 2015 EV3Lessons.com, Last edit 12/19/2015</a:t>
             </a:r>
             <a:endParaRPr lang="en-US" dirty="0"/>
           </a:p>
@@ -2701,7 +2783,7 @@
           <a:p>
             <a:fld id="{4382A7F7-08BF-4252-8141-63FB96055BBB}" type="slidenum">
               <a:rPr lang="en-US" smtClean="0"/>
-              <a:t>‹nº›</a:t>
+              <a:t>‹#›</a:t>
             </a:fld>
             <a:endParaRPr lang="en-US"/>
           </a:p>
@@ -2841,9 +2923,9 @@
           <a:bodyPr/>
           <a:lstStyle/>
           <a:p>
-            <a:fld id="{2BCC3198-C657-4B53-B704-BCDE2D7E7386}" type="datetime1">
+            <a:fld id="{C53EE000-1154-B74A-98F6-455AFBDC08DF}" type="datetime1">
               <a:rPr lang="en-US" smtClean="0"/>
-              <a:t>1/29/2015</a:t>
+              <a:t>12/19/15</a:t>
             </a:fld>
             <a:endParaRPr lang="en-US" dirty="0"/>
           </a:p>
@@ -2865,8 +2947,8 @@
           <a:lstStyle/>
           <a:p>
             <a:r>
-              <a:rPr lang="en-US" smtClean="0"/>
-              <a:t>© 2015 EV3Lessons.com, Last edit 1/29/2015</a:t>
+              <a:rPr lang="sk-SK" smtClean="0"/>
+              <a:t>© 2015 EV3Lessons.com, Last edit 12/19/2015</a:t>
             </a:r>
             <a:endParaRPr lang="en-US" dirty="0"/>
           </a:p>
@@ -2889,7 +2971,7 @@
           <a:p>
             <a:fld id="{4382A7F7-08BF-4252-8141-63FB96055BBB}" type="slidenum">
               <a:rPr lang="en-US" smtClean="0"/>
-              <a:t>‹nº›</a:t>
+              <a:t>‹#›</a:t>
             </a:fld>
             <a:endParaRPr lang="en-US"/>
           </a:p>
@@ -3669,9 +3751,9 @@
           <a:bodyPr/>
           <a:lstStyle/>
           <a:p>
-            <a:fld id="{667B6C40-38E7-4BE7-9318-C0F05AA0686E}" type="datetime1">
+            <a:fld id="{65F59480-FEC1-CA41-A3A0-E3C4C52DEA5D}" type="datetime1">
               <a:rPr lang="en-US" smtClean="0"/>
-              <a:t>1/29/2015</a:t>
+              <a:t>12/19/15</a:t>
             </a:fld>
             <a:endParaRPr lang="en-US" dirty="0"/>
           </a:p>
@@ -3693,8 +3775,8 @@
           <a:lstStyle/>
           <a:p>
             <a:r>
-              <a:rPr lang="en-US" smtClean="0"/>
-              <a:t>© 2015 EV3Lessons.com, Last edit 1/29/2015</a:t>
+              <a:rPr lang="sk-SK" smtClean="0"/>
+              <a:t>© 2015 EV3Lessons.com, Last edit 12/19/2015</a:t>
             </a:r>
             <a:endParaRPr lang="en-US" dirty="0"/>
           </a:p>
@@ -3717,7 +3799,7 @@
           <a:p>
             <a:fld id="{4382A7F7-08BF-4252-8141-63FB96055BBB}" type="slidenum">
               <a:rPr lang="en-US" smtClean="0"/>
-              <a:t>‹nº›</a:t>
+              <a:t>‹#›</a:t>
             </a:fld>
             <a:endParaRPr lang="en-US"/>
           </a:p>
@@ -4191,9 +4273,9 @@
           <a:bodyPr/>
           <a:lstStyle/>
           <a:p>
-            <a:fld id="{31F1EBCD-90F8-47E1-9738-5894EC7C48EC}" type="datetime1">
+            <a:fld id="{91F0C12F-8B35-8248-8C68-0DA6232A7CCB}" type="datetime1">
               <a:rPr lang="en-US" smtClean="0"/>
-              <a:t>1/29/2015</a:t>
+              <a:t>12/19/15</a:t>
             </a:fld>
             <a:endParaRPr lang="en-US"/>
           </a:p>
@@ -4215,8 +4297,8 @@
           <a:lstStyle/>
           <a:p>
             <a:r>
-              <a:rPr lang="en-US" smtClean="0"/>
-              <a:t>© 2015 EV3Lessons.com, Last edit 1/29/2015</a:t>
+              <a:rPr lang="sk-SK" smtClean="0"/>
+              <a:t>© 2015 EV3Lessons.com, Last edit 12/19/2015</a:t>
             </a:r>
             <a:endParaRPr lang="en-US"/>
           </a:p>
@@ -4239,7 +4321,7 @@
           <a:p>
             <a:fld id="{4382A7F7-08BF-4252-8141-63FB96055BBB}" type="slidenum">
               <a:rPr lang="en-US" smtClean="0"/>
-              <a:t>‹nº›</a:t>
+              <a:t>‹#›</a:t>
             </a:fld>
             <a:endParaRPr lang="en-US"/>
           </a:p>
@@ -4435,9 +4517,9 @@
           <a:bodyPr/>
           <a:lstStyle/>
           <a:p>
-            <a:fld id="{2693F162-BC40-4A4C-B475-EFF0180F9075}" type="datetime1">
+            <a:fld id="{C22B307B-A8B4-C142-99B4-82AADADC233A}" type="datetime1">
               <a:rPr lang="en-US" smtClean="0"/>
-              <a:t>1/29/2015</a:t>
+              <a:t>12/19/15</a:t>
             </a:fld>
             <a:endParaRPr lang="en-US"/>
           </a:p>
@@ -4459,8 +4541,8 @@
           <a:lstStyle/>
           <a:p>
             <a:r>
-              <a:rPr lang="en-US" smtClean="0"/>
-              <a:t>© 2015 EV3Lessons.com, Last edit 1/29/2015</a:t>
+              <a:rPr lang="sk-SK" smtClean="0"/>
+              <a:t>© 2015 EV3Lessons.com, Last edit 12/19/2015</a:t>
             </a:r>
             <a:endParaRPr lang="en-US"/>
           </a:p>
@@ -4483,7 +4565,7 @@
           <a:p>
             <a:fld id="{4382A7F7-08BF-4252-8141-63FB96055BBB}" type="slidenum">
               <a:rPr lang="en-US" smtClean="0"/>
-              <a:t>‹nº›</a:t>
+              <a:t>‹#›</a:t>
             </a:fld>
             <a:endParaRPr lang="en-US"/>
           </a:p>
@@ -4971,9 +5053,9 @@
           <a:bodyPr/>
           <a:lstStyle/>
           <a:p>
-            <a:fld id="{2076C9DC-C614-4CF4-8CE8-97F6E618031D}" type="datetime1">
+            <a:fld id="{3567388D-4F2D-B041-8C96-53AE3C77DFC3}" type="datetime1">
               <a:rPr lang="en-US" smtClean="0"/>
-              <a:t>1/29/2015</a:t>
+              <a:t>12/19/15</a:t>
             </a:fld>
             <a:endParaRPr lang="en-US"/>
           </a:p>
@@ -4995,8 +5077,8 @@
           <a:lstStyle/>
           <a:p>
             <a:r>
-              <a:rPr lang="en-US" smtClean="0"/>
-              <a:t>© 2015 EV3Lessons.com, Last edit 1/29/2015</a:t>
+              <a:rPr lang="sk-SK" smtClean="0"/>
+              <a:t>© 2015 EV3Lessons.com, Last edit 12/19/2015</a:t>
             </a:r>
             <a:endParaRPr lang="en-US"/>
           </a:p>
@@ -5019,7 +5101,7 @@
           <a:p>
             <a:fld id="{4382A7F7-08BF-4252-8141-63FB96055BBB}" type="slidenum">
               <a:rPr lang="en-US" smtClean="0"/>
-              <a:t>‹nº›</a:t>
+              <a:t>‹#›</a:t>
             </a:fld>
             <a:endParaRPr lang="en-US"/>
           </a:p>
@@ -5117,9 +5199,9 @@
           <a:bodyPr/>
           <a:lstStyle/>
           <a:p>
-            <a:fld id="{2735F85E-19CB-4245-818A-1A5E26D3E201}" type="datetime1">
+            <a:fld id="{85B3560D-6F3A-3C42-ADA9-3461E91608C7}" type="datetime1">
               <a:rPr lang="en-US" smtClean="0"/>
-              <a:t>1/29/2015</a:t>
+              <a:t>12/19/15</a:t>
             </a:fld>
             <a:endParaRPr lang="en-US"/>
           </a:p>
@@ -5141,8 +5223,8 @@
           <a:lstStyle/>
           <a:p>
             <a:r>
-              <a:rPr lang="en-US" smtClean="0"/>
-              <a:t>© 2015 EV3Lessons.com, Last edit 1/29/2015</a:t>
+              <a:rPr lang="sk-SK" smtClean="0"/>
+              <a:t>© 2015 EV3Lessons.com, Last edit 12/19/2015</a:t>
             </a:r>
             <a:endParaRPr lang="en-US"/>
           </a:p>
@@ -5165,7 +5247,7 @@
           <a:p>
             <a:fld id="{7F5CE407-6216-4202-80E4-A30DC2F709B2}" type="slidenum">
               <a:rPr lang="en-US" smtClean="0"/>
-              <a:t>‹nº›</a:t>
+              <a:t>‹#›</a:t>
             </a:fld>
             <a:endParaRPr lang="en-US"/>
           </a:p>
@@ -5987,9 +6069,9 @@
           <a:bodyPr/>
           <a:lstStyle/>
           <a:p>
-            <a:fld id="{F60E93DC-D669-4175-B76E-3CC1295FDA9E}" type="datetime1">
+            <a:fld id="{9C862A30-4638-EE41-A762-34D93E016269}" type="datetime1">
               <a:rPr lang="en-US" smtClean="0"/>
-              <a:t>1/29/2015</a:t>
+              <a:t>12/19/15</a:t>
             </a:fld>
             <a:endParaRPr lang="en-US"/>
           </a:p>
@@ -6011,8 +6093,8 @@
           <a:lstStyle/>
           <a:p>
             <a:r>
-              <a:rPr lang="en-US" smtClean="0"/>
-              <a:t>© 2015 EV3Lessons.com, Last edit 1/29/2015</a:t>
+              <a:rPr lang="sk-SK" smtClean="0"/>
+              <a:t>© 2015 EV3Lessons.com, Last edit 12/19/2015</a:t>
             </a:r>
             <a:endParaRPr lang="en-US"/>
           </a:p>
@@ -6035,7 +6117,7 @@
           <a:p>
             <a:fld id="{162F1D00-BD13-4404-86B0-79703945A0A7}" type="slidenum">
               <a:rPr lang="en-US" smtClean="0"/>
-              <a:t>‹nº›</a:t>
+              <a:t>‹#›</a:t>
             </a:fld>
             <a:endParaRPr lang="en-US"/>
           </a:p>
@@ -6121,9 +6203,9 @@
           <a:bodyPr/>
           <a:lstStyle/>
           <a:p>
-            <a:fld id="{DB87B19A-DD72-4234-9F59-86F80CDF9102}" type="datetime1">
+            <a:fld id="{C995867F-0440-754B-BBDB-0AE2B080412B}" type="datetime1">
               <a:rPr lang="en-US" smtClean="0"/>
-              <a:t>1/29/2015</a:t>
+              <a:t>12/19/15</a:t>
             </a:fld>
             <a:endParaRPr lang="en-US" dirty="0"/>
           </a:p>
@@ -6146,7 +6228,7 @@
           <a:p>
             <a:fld id="{4382A7F7-08BF-4252-8141-63FB96055BBB}" type="slidenum">
               <a:rPr lang="en-US" smtClean="0"/>
-              <a:t>‹nº›</a:t>
+              <a:t>‹#›</a:t>
             </a:fld>
             <a:endParaRPr lang="en-US"/>
           </a:p>
@@ -6993,9 +7075,9 @@
           <a:bodyPr/>
           <a:lstStyle/>
           <a:p>
-            <a:fld id="{D500C84F-BF32-40A9-B7FB-626E89CB6CE4}" type="datetime1">
+            <a:fld id="{2D833C27-7AEF-F548-879F-E513B20025D0}" type="datetime1">
               <a:rPr lang="en-US" smtClean="0"/>
-              <a:t>1/29/2015</a:t>
+              <a:t>12/19/15</a:t>
             </a:fld>
             <a:endParaRPr lang="en-US"/>
           </a:p>
@@ -7018,7 +7100,7 @@
           <a:p>
             <a:fld id="{4382A7F7-08BF-4252-8141-63FB96055BBB}" type="slidenum">
               <a:rPr lang="en-US" smtClean="0"/>
-              <a:t>‹nº›</a:t>
+              <a:t>‹#›</a:t>
             </a:fld>
             <a:endParaRPr lang="en-US"/>
           </a:p>
@@ -7629,9 +7711,9 @@
           <a:bodyPr/>
           <a:lstStyle/>
           <a:p>
-            <a:fld id="{B55F555A-A800-4216-AE56-CA4023B39333}" type="datetime1">
+            <a:fld id="{22D76C1F-9508-C44E-A44A-A7E0AE5F3ECF}" type="datetime1">
               <a:rPr lang="en-US" smtClean="0"/>
-              <a:t>1/29/2015</a:t>
+              <a:t>12/19/15</a:t>
             </a:fld>
             <a:endParaRPr lang="en-US"/>
           </a:p>
@@ -7653,8 +7735,8 @@
           <a:lstStyle/>
           <a:p>
             <a:r>
-              <a:rPr lang="en-US" smtClean="0"/>
-              <a:t>© 2015 EV3Lessons.com, Last edit 1/29/2015</a:t>
+              <a:rPr lang="sk-SK" smtClean="0"/>
+              <a:t>© 2015 EV3Lessons.com, Last edit 12/19/2015</a:t>
             </a:r>
             <a:endParaRPr lang="en-US"/>
           </a:p>
@@ -7677,7 +7759,7 @@
           <a:p>
             <a:fld id="{4382A7F7-08BF-4252-8141-63FB96055BBB}" type="slidenum">
               <a:rPr lang="en-US" smtClean="0"/>
-              <a:t>‹nº›</a:t>
+              <a:t>‹#›</a:t>
             </a:fld>
             <a:endParaRPr lang="en-US"/>
           </a:p>
@@ -7956,9 +8038,9 @@
           <a:bodyPr/>
           <a:lstStyle/>
           <a:p>
-            <a:fld id="{BA41FB14-5A1D-46CD-A4C2-4A6137892CCA}" type="datetime1">
+            <a:fld id="{A384781A-46CE-3B42-9B2E-1F8C7CA3B62C}" type="datetime1">
               <a:rPr lang="en-US" smtClean="0"/>
-              <a:t>1/29/2015</a:t>
+              <a:t>12/19/15</a:t>
             </a:fld>
             <a:endParaRPr lang="en-US"/>
           </a:p>
@@ -7980,8 +8062,8 @@
           <a:lstStyle/>
           <a:p>
             <a:r>
-              <a:rPr lang="en-US" smtClean="0"/>
-              <a:t>© 2015 EV3Lessons.com, Last edit 1/29/2015</a:t>
+              <a:rPr lang="sk-SK" smtClean="0"/>
+              <a:t>© 2015 EV3Lessons.com, Last edit 12/19/2015</a:t>
             </a:r>
             <a:endParaRPr lang="en-US"/>
           </a:p>
@@ -8004,7 +8086,7 @@
           <a:p>
             <a:fld id="{4382A7F7-08BF-4252-8141-63FB96055BBB}" type="slidenum">
               <a:rPr lang="en-US" smtClean="0"/>
-              <a:t>‹nº›</a:t>
+              <a:t>‹#›</a:t>
             </a:fld>
             <a:endParaRPr lang="en-US"/>
           </a:p>
@@ -8057,9 +8139,9 @@
           <a:bodyPr/>
           <a:lstStyle/>
           <a:p>
-            <a:fld id="{61475B19-5A55-4AAA-9EF0-B45D6522585A}" type="datetime1">
+            <a:fld id="{BF241098-38E8-CA44-BD0C-A1556C327952}" type="datetime1">
               <a:rPr lang="en-US" smtClean="0"/>
-              <a:t>1/29/2015</a:t>
+              <a:t>12/19/15</a:t>
             </a:fld>
             <a:endParaRPr lang="en-US"/>
           </a:p>
@@ -8081,8 +8163,8 @@
           <a:lstStyle/>
           <a:p>
             <a:r>
-              <a:rPr lang="en-US" smtClean="0"/>
-              <a:t>© 2015 EV3Lessons.com, Last edit 1/29/2015</a:t>
+              <a:rPr lang="sk-SK" smtClean="0"/>
+              <a:t>© 2015 EV3Lessons.com, Last edit 12/19/2015</a:t>
             </a:r>
             <a:endParaRPr lang="en-US"/>
           </a:p>
@@ -8105,7 +8187,7 @@
           <a:p>
             <a:fld id="{4382A7F7-08BF-4252-8141-63FB96055BBB}" type="slidenum">
               <a:rPr lang="en-US" smtClean="0"/>
-              <a:t>‹nº›</a:t>
+              <a:t>‹#›</a:t>
             </a:fld>
             <a:endParaRPr lang="en-US"/>
           </a:p>
@@ -8396,9 +8478,9 @@
             </a:lvl1pPr>
           </a:lstStyle>
           <a:p>
-            <a:fld id="{6D84C9FD-E689-45F4-8177-352D855AD44E}" type="datetime1">
+            <a:fld id="{C5E1EF94-8678-5B47-886A-2C3EBA488F6B}" type="datetime1">
               <a:rPr lang="en-US" smtClean="0"/>
-              <a:t>1/29/2015</a:t>
+              <a:t>12/19/15</a:t>
             </a:fld>
             <a:endParaRPr lang="en-US" dirty="0"/>
           </a:p>
@@ -8438,8 +8520,8 @@
           </a:lstStyle>
           <a:p>
             <a:r>
-              <a:rPr lang="en-US" smtClean="0"/>
-              <a:t>© 2015 EV3Lessons.com, Last edit 1/29/2015</a:t>
+              <a:rPr lang="sk-SK" smtClean="0"/>
+              <a:t>© 2015 EV3Lessons.com, Last edit 12/19/2015</a:t>
             </a:r>
             <a:endParaRPr lang="en-US" dirty="0"/>
           </a:p>
@@ -8481,7 +8563,7 @@
           <a:p>
             <a:fld id="{4382A7F7-08BF-4252-8141-63FB96055BBB}" type="slidenum">
               <a:rPr lang="en-US" smtClean="0"/>
-              <a:t>‹nº›</a:t>
+              <a:t>‹#›</a:t>
             </a:fld>
             <a:endParaRPr lang="en-US"/>
           </a:p>
@@ -9093,8 +9175,8 @@
           <a:lstStyle/>
           <a:p>
             <a:r>
-              <a:rPr lang="en-US" dirty="0" smtClean="0"/>
-              <a:t>© 2015 EV3Lessons.com, Last edit 1/30/2015</a:t>
+              <a:rPr lang="sk-SK" smtClean="0"/>
+              <a:t>© 2015 EV3Lessons.com, Last edit 12/19/2015</a:t>
             </a:r>
             <a:endParaRPr lang="en-US" dirty="0"/>
           </a:p>
@@ -9184,838 +9266,6 @@
 </p:sld>
 </file>
 
-<file path=ppt/slides/slide10.xml><?xml version="1.0" encoding="utf-8"?>
-<p:sld xmlns:a="http://schemas.openxmlformats.org/drawingml/2006/main" xmlns:r="http://schemas.openxmlformats.org/officeDocument/2006/relationships" xmlns:p="http://schemas.openxmlformats.org/presentationml/2006/main">
-  <p:cSld>
-    <p:spTree>
-      <p:nvGrpSpPr>
-        <p:cNvPr id="1" name=""/>
-        <p:cNvGrpSpPr/>
-        <p:nvPr/>
-      </p:nvGrpSpPr>
-      <p:grpSpPr>
-        <a:xfrm>
-          <a:off x="0" y="0"/>
-          <a:ext cx="0" cy="0"/>
-          <a:chOff x="0" y="0"/>
-          <a:chExt cx="0" cy="0"/>
-        </a:xfrm>
-      </p:grpSpPr>
-      <p:sp>
-        <p:nvSpPr>
-          <p:cNvPr id="2" name="Title 1"/>
-          <p:cNvSpPr>
-            <a:spLocks noGrp="1"/>
-          </p:cNvSpPr>
-          <p:nvPr>
-            <p:ph type="title"/>
-          </p:nvPr>
-        </p:nvSpPr>
-        <p:spPr>
-          <a:noFill/>
-        </p:spPr>
-        <p:txBody>
-          <a:bodyPr/>
-          <a:lstStyle/>
-          <a:p>
-            <a:r>
-              <a:rPr lang="en-US" dirty="0" err="1" smtClean="0">
-                <a:latin typeface="+mn-lt"/>
-              </a:rPr>
-              <a:t>Créditos</a:t>
-            </a:r>
-            <a:endParaRPr lang="en-US" dirty="0">
-              <a:latin typeface="+mn-lt"/>
-            </a:endParaRPr>
-          </a:p>
-        </p:txBody>
-      </p:sp>
-      <p:sp>
-        <p:nvSpPr>
-          <p:cNvPr id="3" name="Content Placeholder 2"/>
-          <p:cNvSpPr>
-            <a:spLocks noGrp="1"/>
-          </p:cNvSpPr>
-          <p:nvPr>
-            <p:ph idx="1"/>
-          </p:nvPr>
-        </p:nvSpPr>
-        <p:spPr>
-          <a:xfrm>
-            <a:off x="284162" y="1915912"/>
-            <a:ext cx="8574087" cy="3581400"/>
-          </a:xfrm>
-        </p:spPr>
-        <p:txBody>
-          <a:bodyPr>
-            <a:normAutofit/>
-          </a:bodyPr>
-          <a:lstStyle/>
-          <a:p>
-            <a:pPr marL="454025" lvl="1" indent="-454025">
-              <a:spcBef>
-                <a:spcPts val="2000"/>
-              </a:spcBef>
-              <a:buClr>
-                <a:schemeClr val="bg1">
-                  <a:lumMod val="65000"/>
-                </a:schemeClr>
-              </a:buClr>
-            </a:pPr>
-            <a:r>
-              <a:rPr lang="en-US" dirty="0" err="1" smtClean="0"/>
-              <a:t>Esse</a:t>
-            </a:r>
-            <a:r>
-              <a:rPr lang="en-US" dirty="0" smtClean="0"/>
-              <a:t> tutorial </a:t>
-            </a:r>
-            <a:r>
-              <a:rPr lang="en-US" dirty="0" err="1" smtClean="0"/>
-              <a:t>foi</a:t>
-            </a:r>
-            <a:r>
-              <a:rPr lang="en-US" dirty="0" smtClean="0"/>
-              <a:t> </a:t>
-            </a:r>
-            <a:r>
-              <a:rPr lang="en-US" dirty="0" err="1" smtClean="0"/>
-              <a:t>criado</a:t>
-            </a:r>
-            <a:r>
-              <a:rPr lang="en-US" dirty="0" smtClean="0"/>
-              <a:t> </a:t>
-            </a:r>
-            <a:r>
-              <a:rPr lang="en-US" dirty="0" err="1" smtClean="0"/>
-              <a:t>por</a:t>
-            </a:r>
-            <a:r>
-              <a:rPr lang="en-US" dirty="0" smtClean="0"/>
-              <a:t> Sanjay </a:t>
-            </a:r>
-            <a:r>
-              <a:rPr lang="en-US" dirty="0" err="1" smtClean="0"/>
-              <a:t>Seshan</a:t>
-            </a:r>
-            <a:r>
-              <a:rPr lang="en-US" dirty="0" smtClean="0"/>
-              <a:t> e Arvind </a:t>
-            </a:r>
-            <a:r>
-              <a:rPr lang="en-US" dirty="0" err="1" smtClean="0"/>
-              <a:t>Seshan</a:t>
-            </a:r>
-            <a:r>
-              <a:rPr lang="en-US" dirty="0" smtClean="0"/>
-              <a:t> do Droids Robotics </a:t>
-            </a:r>
-            <a:r>
-              <a:rPr lang="en-US" dirty="0"/>
-              <a:t>(</a:t>
-            </a:r>
-            <a:r>
-              <a:rPr lang="en-US" dirty="0" smtClean="0">
-                <a:hlinkClick r:id="rId3"/>
-              </a:rPr>
-              <a:t>team@droidsrobotics.org</a:t>
-            </a:r>
-            <a:r>
-              <a:rPr lang="en-US" dirty="0" smtClean="0"/>
-              <a:t>).</a:t>
-            </a:r>
-          </a:p>
-          <a:p>
-            <a:pPr marL="454025" lvl="1" indent="-454025">
-              <a:spcBef>
-                <a:spcPts val="2000"/>
-              </a:spcBef>
-              <a:buClr>
-                <a:schemeClr val="bg1">
-                  <a:lumMod val="65000"/>
-                </a:schemeClr>
-              </a:buClr>
-            </a:pPr>
-            <a:r>
-              <a:rPr lang="en-US" dirty="0" err="1" smtClean="0"/>
-              <a:t>Código</a:t>
-            </a:r>
-            <a:r>
-              <a:rPr lang="en-US" dirty="0" smtClean="0"/>
-              <a:t> Gyro Turn original </a:t>
-            </a:r>
-            <a:r>
-              <a:rPr lang="en-US" dirty="0" err="1" smtClean="0"/>
-              <a:t>foi</a:t>
-            </a:r>
-            <a:r>
-              <a:rPr lang="en-US" dirty="0" smtClean="0"/>
-              <a:t> </a:t>
-            </a:r>
-            <a:r>
-              <a:rPr lang="en-US" dirty="0" err="1" smtClean="0"/>
-              <a:t>provido</a:t>
-            </a:r>
-            <a:r>
-              <a:rPr lang="en-US" dirty="0" smtClean="0"/>
-              <a:t> </a:t>
-            </a:r>
-            <a:r>
-              <a:rPr lang="en-US" dirty="0" err="1" smtClean="0"/>
-              <a:t>pelos</a:t>
-            </a:r>
-            <a:r>
-              <a:rPr lang="en-US" dirty="0" smtClean="0"/>
-              <a:t> “Construction Mavericks” (</a:t>
-            </a:r>
-            <a:r>
-              <a:rPr lang="en-US" sz="2400" dirty="0" smtClean="0">
-                <a:hlinkClick r:id="rId4"/>
-              </a:rPr>
-              <a:t>frank.levine@gmail.com</a:t>
-            </a:r>
-            <a:r>
-              <a:rPr lang="en-US" sz="2400" dirty="0" smtClean="0"/>
-              <a:t>)</a:t>
-            </a:r>
-            <a:endParaRPr lang="en-US" dirty="0"/>
-          </a:p>
-          <a:p>
-            <a:pPr marL="454025" lvl="1" indent="-454025">
-              <a:spcBef>
-                <a:spcPts val="2000"/>
-              </a:spcBef>
-              <a:buClr>
-                <a:schemeClr val="bg1">
-                  <a:lumMod val="65000"/>
-                </a:schemeClr>
-              </a:buClr>
-            </a:pPr>
-            <a:r>
-              <a:rPr lang="en-US" dirty="0" err="1" smtClean="0"/>
-              <a:t>Mais</a:t>
-            </a:r>
-            <a:r>
-              <a:rPr lang="en-US" dirty="0" smtClean="0"/>
-              <a:t> </a:t>
-            </a:r>
-            <a:r>
-              <a:rPr lang="en-US" dirty="0" err="1" smtClean="0"/>
-              <a:t>lições</a:t>
-            </a:r>
-            <a:r>
-              <a:rPr lang="en-US" dirty="0" smtClean="0"/>
-              <a:t> </a:t>
-            </a:r>
-            <a:r>
-              <a:rPr lang="en-US" dirty="0" err="1" smtClean="0"/>
-              <a:t>em</a:t>
-            </a:r>
-            <a:r>
-              <a:rPr lang="en-US" dirty="0" smtClean="0"/>
-              <a:t> </a:t>
-            </a:r>
-            <a:r>
-              <a:rPr lang="en-US" dirty="0" smtClean="0">
-                <a:hlinkClick r:id="rId5"/>
-              </a:rPr>
-              <a:t>www.ev3lessons.com</a:t>
-            </a:r>
-            <a:endParaRPr lang="en-US" dirty="0" smtClean="0"/>
-          </a:p>
-          <a:p>
-            <a:pPr marL="454025" lvl="1" indent="-454025">
-              <a:spcBef>
-                <a:spcPts val="2000"/>
-              </a:spcBef>
-              <a:buClr>
-                <a:schemeClr val="bg1">
-                  <a:lumMod val="65000"/>
-                </a:schemeClr>
-              </a:buClr>
-            </a:pPr>
-            <a:r>
-              <a:rPr lang="en-US" dirty="0" err="1" smtClean="0"/>
-              <a:t>Esse</a:t>
-            </a:r>
-            <a:r>
-              <a:rPr lang="en-US" dirty="0" smtClean="0"/>
-              <a:t> tutorial </a:t>
-            </a:r>
-            <a:r>
-              <a:rPr lang="en-US" dirty="0" err="1" smtClean="0"/>
-              <a:t>foi</a:t>
-            </a:r>
-            <a:r>
-              <a:rPr lang="en-US" dirty="0" smtClean="0"/>
-              <a:t> </a:t>
-            </a:r>
-            <a:r>
-              <a:rPr lang="en-US" dirty="0" err="1" smtClean="0"/>
-              <a:t>traduzido</a:t>
-            </a:r>
-            <a:r>
-              <a:rPr lang="en-US" dirty="0" smtClean="0"/>
-              <a:t> </a:t>
-            </a:r>
-            <a:r>
-              <a:rPr lang="en-US" dirty="0" err="1" smtClean="0"/>
-              <a:t>por</a:t>
-            </a:r>
-            <a:r>
-              <a:rPr lang="en-US" dirty="0" smtClean="0"/>
-              <a:t> </a:t>
-            </a:r>
-            <a:r>
-              <a:rPr lang="en-US" dirty="0" err="1" smtClean="0"/>
-              <a:t>João</a:t>
-            </a:r>
-            <a:r>
-              <a:rPr lang="en-US" dirty="0" smtClean="0"/>
-              <a:t> Victor </a:t>
-            </a:r>
-            <a:r>
-              <a:rPr lang="en-US" dirty="0" err="1" smtClean="0"/>
-              <a:t>Quintanilha</a:t>
-            </a:r>
-            <a:r>
-              <a:rPr lang="en-US" dirty="0" smtClean="0"/>
-              <a:t>, José </a:t>
-            </a:r>
-            <a:r>
-              <a:rPr lang="en-US" dirty="0" err="1" smtClean="0"/>
-              <a:t>Mateus</a:t>
-            </a:r>
-            <a:r>
-              <a:rPr lang="en-US" dirty="0" smtClean="0"/>
-              <a:t> e Bruno Leonardo.</a:t>
-            </a:r>
-            <a:endParaRPr lang="en-US" dirty="0"/>
-          </a:p>
-        </p:txBody>
-      </p:sp>
-      <p:sp>
-        <p:nvSpPr>
-          <p:cNvPr id="4" name="Footer Placeholder 3"/>
-          <p:cNvSpPr>
-            <a:spLocks noGrp="1"/>
-          </p:cNvSpPr>
-          <p:nvPr>
-            <p:ph type="ftr" sz="quarter" idx="11"/>
-          </p:nvPr>
-        </p:nvSpPr>
-        <p:spPr/>
-        <p:txBody>
-          <a:bodyPr/>
-          <a:lstStyle/>
-          <a:p>
-            <a:r>
-              <a:rPr lang="en-US" smtClean="0"/>
-              <a:t>© 2015 EV3Lessons.com, Last edit 1/30/2015</a:t>
-            </a:r>
-            <a:endParaRPr lang="en-US"/>
-          </a:p>
-        </p:txBody>
-      </p:sp>
-      <p:sp>
-        <p:nvSpPr>
-          <p:cNvPr id="5" name="Rectangle 1"/>
-          <p:cNvSpPr>
-            <a:spLocks noChangeArrowheads="1"/>
-          </p:cNvSpPr>
-          <p:nvPr/>
-        </p:nvSpPr>
-        <p:spPr bwMode="auto">
-          <a:xfrm>
-            <a:off x="457199" y="5545845"/>
-            <a:ext cx="7913347" cy="615553"/>
-          </a:xfrm>
-          <a:prstGeom prst="rect">
-            <a:avLst/>
-          </a:prstGeom>
-          <a:solidFill>
-            <a:srgbClr val="F5F5F5"/>
-          </a:solidFill>
-          <a:ln>
-            <a:noFill/>
-          </a:ln>
-          <a:effectLst/>
-          <a:extLst>
-            <a:ext uri="{91240B29-F687-4F45-9708-019B960494DF}">
-              <a14:hiddenLine xmlns:a14="http://schemas.microsoft.com/office/drawing/2010/main" w="9525">
-                <a:solidFill>
-                  <a:schemeClr val="tx1"/>
-                </a:solidFill>
-                <a:miter lim="800000"/>
-                <a:headEnd/>
-                <a:tailEnd/>
-              </a14:hiddenLine>
-            </a:ext>
-            <a:ext uri="{AF507438-7753-43E0-B8FC-AC1667EBCBE1}">
-              <a14:hiddenEffects xmlns:a14="http://schemas.microsoft.com/office/drawing/2010/main">
-                <a:effectLst>
-                  <a:outerShdw dist="35921" dir="2700000" algn="ctr" rotWithShape="0">
-                    <a:schemeClr val="bg2"/>
-                  </a:outerShdw>
-                </a:effectLst>
-              </a14:hiddenEffects>
-            </a:ext>
-          </a:extLst>
-        </p:spPr>
-        <p:txBody>
-          <a:bodyPr vert="horz" wrap="square" lIns="0" tIns="0" rIns="0" bIns="0" numCol="1" anchor="ctr" anchorCtr="0" compatLnSpc="1">
-            <a:prstTxWarp prst="textNoShape">
-              <a:avLst/>
-            </a:prstTxWarp>
-            <a:spAutoFit/>
-          </a:bodyPr>
-          <a:lstStyle>
-            <a:lvl1pPr eaLnBrk="0" fontAlgn="base" hangingPunct="0">
-              <a:spcBef>
-                <a:spcPct val="0"/>
-              </a:spcBef>
-              <a:spcAft>
-                <a:spcPct val="0"/>
-              </a:spcAft>
-              <a:defRPr>
-                <a:solidFill>
-                  <a:schemeClr val="tx1"/>
-                </a:solidFill>
-                <a:latin typeface="Arial" panose="020B0604020202020204" pitchFamily="34" charset="0"/>
-              </a:defRPr>
-            </a:lvl1pPr>
-            <a:lvl2pPr eaLnBrk="0" fontAlgn="base" hangingPunct="0">
-              <a:spcBef>
-                <a:spcPct val="0"/>
-              </a:spcBef>
-              <a:spcAft>
-                <a:spcPct val="0"/>
-              </a:spcAft>
-              <a:defRPr>
-                <a:solidFill>
-                  <a:schemeClr val="tx1"/>
-                </a:solidFill>
-                <a:latin typeface="Arial" panose="020B0604020202020204" pitchFamily="34" charset="0"/>
-              </a:defRPr>
-            </a:lvl2pPr>
-            <a:lvl3pPr eaLnBrk="0" fontAlgn="base" hangingPunct="0">
-              <a:spcBef>
-                <a:spcPct val="0"/>
-              </a:spcBef>
-              <a:spcAft>
-                <a:spcPct val="0"/>
-              </a:spcAft>
-              <a:defRPr>
-                <a:solidFill>
-                  <a:schemeClr val="tx1"/>
-                </a:solidFill>
-                <a:latin typeface="Arial" panose="020B0604020202020204" pitchFamily="34" charset="0"/>
-              </a:defRPr>
-            </a:lvl3pPr>
-            <a:lvl4pPr eaLnBrk="0" fontAlgn="base" hangingPunct="0">
-              <a:spcBef>
-                <a:spcPct val="0"/>
-              </a:spcBef>
-              <a:spcAft>
-                <a:spcPct val="0"/>
-              </a:spcAft>
-              <a:defRPr>
-                <a:solidFill>
-                  <a:schemeClr val="tx1"/>
-                </a:solidFill>
-                <a:latin typeface="Arial" panose="020B0604020202020204" pitchFamily="34" charset="0"/>
-              </a:defRPr>
-            </a:lvl4pPr>
-            <a:lvl5pPr eaLnBrk="0" fontAlgn="base" hangingPunct="0">
-              <a:spcBef>
-                <a:spcPct val="0"/>
-              </a:spcBef>
-              <a:spcAft>
-                <a:spcPct val="0"/>
-              </a:spcAft>
-              <a:defRPr>
-                <a:solidFill>
-                  <a:schemeClr val="tx1"/>
-                </a:solidFill>
-                <a:latin typeface="Arial" panose="020B0604020202020204" pitchFamily="34" charset="0"/>
-              </a:defRPr>
-            </a:lvl5pPr>
-            <a:lvl6pPr eaLnBrk="0" fontAlgn="base" hangingPunct="0">
-              <a:spcBef>
-                <a:spcPct val="0"/>
-              </a:spcBef>
-              <a:spcAft>
-                <a:spcPct val="0"/>
-              </a:spcAft>
-              <a:defRPr>
-                <a:solidFill>
-                  <a:schemeClr val="tx1"/>
-                </a:solidFill>
-                <a:latin typeface="Arial" panose="020B0604020202020204" pitchFamily="34" charset="0"/>
-              </a:defRPr>
-            </a:lvl6pPr>
-            <a:lvl7pPr eaLnBrk="0" fontAlgn="base" hangingPunct="0">
-              <a:spcBef>
-                <a:spcPct val="0"/>
-              </a:spcBef>
-              <a:spcAft>
-                <a:spcPct val="0"/>
-              </a:spcAft>
-              <a:defRPr>
-                <a:solidFill>
-                  <a:schemeClr val="tx1"/>
-                </a:solidFill>
-                <a:latin typeface="Arial" panose="020B0604020202020204" pitchFamily="34" charset="0"/>
-              </a:defRPr>
-            </a:lvl7pPr>
-            <a:lvl8pPr eaLnBrk="0" fontAlgn="base" hangingPunct="0">
-              <a:spcBef>
-                <a:spcPct val="0"/>
-              </a:spcBef>
-              <a:spcAft>
-                <a:spcPct val="0"/>
-              </a:spcAft>
-              <a:defRPr>
-                <a:solidFill>
-                  <a:schemeClr val="tx1"/>
-                </a:solidFill>
-                <a:latin typeface="Arial" panose="020B0604020202020204" pitchFamily="34" charset="0"/>
-              </a:defRPr>
-            </a:lvl8pPr>
-            <a:lvl9pPr eaLnBrk="0" fontAlgn="base" hangingPunct="0">
-              <a:spcBef>
-                <a:spcPct val="0"/>
-              </a:spcBef>
-              <a:spcAft>
-                <a:spcPct val="0"/>
-              </a:spcAft>
-              <a:defRPr>
-                <a:solidFill>
-                  <a:schemeClr val="tx1"/>
-                </a:solidFill>
-                <a:latin typeface="Arial" panose="020B0604020202020204" pitchFamily="34" charset="0"/>
-              </a:defRPr>
-            </a:lvl9pPr>
-          </a:lstStyle>
-          <a:p>
-            <a:pPr marL="0" marR="0" lvl="0" indent="0" algn="ctr" defTabSz="914400" rtl="0" eaLnBrk="0" fontAlgn="base" latinLnBrk="0" hangingPunct="0">
-              <a:lnSpc>
-                <a:spcPct val="100000"/>
-              </a:lnSpc>
-              <a:spcBef>
-                <a:spcPct val="0"/>
-              </a:spcBef>
-              <a:spcAft>
-                <a:spcPct val="0"/>
-              </a:spcAft>
-              <a:buClrTx/>
-              <a:buSzTx/>
-              <a:buFontTx/>
-              <a:buNone/>
-              <a:tabLst/>
-            </a:pPr>
-            <a:r>
-              <a:rPr kumimoji="0" lang="en-US" altLang="en-US" sz="2000" b="0" i="0" u="none" strike="noStrike" cap="none" normalizeH="0" baseline="0" dirty="0" err="1" smtClean="0">
-                <a:ln>
-                  <a:noFill/>
-                </a:ln>
-                <a:solidFill>
-                  <a:srgbClr val="000000"/>
-                </a:solidFill>
-                <a:effectLst/>
-                <a:latin typeface="Helvetica Neue"/>
-              </a:rPr>
-              <a:t>Esse</a:t>
-            </a:r>
-            <a:r>
-              <a:rPr kumimoji="0" lang="en-US" altLang="en-US" sz="2000" b="0" i="0" u="none" strike="noStrike" cap="none" normalizeH="0" baseline="0" dirty="0" smtClean="0">
-                <a:ln>
-                  <a:noFill/>
-                </a:ln>
-                <a:solidFill>
-                  <a:srgbClr val="000000"/>
-                </a:solidFill>
-                <a:effectLst/>
-                <a:latin typeface="Helvetica Neue"/>
-              </a:rPr>
-              <a:t> </a:t>
-            </a:r>
-            <a:r>
-              <a:rPr kumimoji="0" lang="en-US" altLang="en-US" sz="2000" b="0" i="0" u="none" strike="noStrike" cap="none" normalizeH="0" baseline="0" dirty="0" err="1" smtClean="0">
-                <a:ln>
-                  <a:noFill/>
-                </a:ln>
-                <a:solidFill>
-                  <a:srgbClr val="000000"/>
-                </a:solidFill>
-                <a:effectLst/>
-                <a:latin typeface="Helvetica Neue"/>
-              </a:rPr>
-              <a:t>trabalho</a:t>
-            </a:r>
-            <a:r>
-              <a:rPr kumimoji="0" lang="en-US" altLang="en-US" sz="2000" b="0" i="0" u="none" strike="noStrike" cap="none" normalizeH="0" baseline="0" dirty="0" smtClean="0">
-                <a:ln>
-                  <a:noFill/>
-                </a:ln>
-                <a:solidFill>
-                  <a:srgbClr val="000000"/>
-                </a:solidFill>
-                <a:effectLst/>
-                <a:latin typeface="Helvetica Neue"/>
-              </a:rPr>
-              <a:t> é </a:t>
-            </a:r>
-            <a:r>
-              <a:rPr kumimoji="0" lang="en-US" altLang="en-US" sz="2000" b="0" i="0" u="none" strike="noStrike" cap="none" normalizeH="0" baseline="0" dirty="0" err="1" smtClean="0">
-                <a:ln>
-                  <a:noFill/>
-                </a:ln>
-                <a:solidFill>
-                  <a:srgbClr val="000000"/>
-                </a:solidFill>
-                <a:effectLst/>
-                <a:latin typeface="Helvetica Neue"/>
-              </a:rPr>
-              <a:t>licenciado</a:t>
-            </a:r>
-            <a:r>
-              <a:rPr kumimoji="0" lang="en-US" altLang="en-US" sz="2000" b="0" i="0" u="none" strike="noStrike" cap="none" normalizeH="0" baseline="0" dirty="0" smtClean="0">
-                <a:ln>
-                  <a:noFill/>
-                </a:ln>
-                <a:solidFill>
-                  <a:srgbClr val="000000"/>
-                </a:solidFill>
-                <a:effectLst/>
-                <a:latin typeface="Helvetica Neue"/>
-              </a:rPr>
-              <a:t> </a:t>
-            </a:r>
-            <a:r>
-              <a:rPr kumimoji="0" lang="en-US" altLang="en-US" sz="2000" b="0" i="0" u="none" strike="noStrike" cap="none" normalizeH="0" baseline="0" dirty="0" err="1" smtClean="0">
-                <a:ln>
-                  <a:noFill/>
-                </a:ln>
-                <a:solidFill>
-                  <a:srgbClr val="000000"/>
-                </a:solidFill>
-                <a:effectLst/>
-                <a:latin typeface="Helvetica Neue"/>
-              </a:rPr>
-              <a:t>sobre</a:t>
-            </a:r>
-            <a:r>
-              <a:rPr lang="en-US" altLang="en-US" sz="2000" dirty="0">
-                <a:solidFill>
-                  <a:srgbClr val="000000"/>
-                </a:solidFill>
-                <a:latin typeface="Helvetica Neue"/>
-              </a:rPr>
-              <a:t> </a:t>
-            </a:r>
-            <a:r>
-              <a:rPr kumimoji="0" lang="en-US" altLang="en-US" sz="2000" b="0" i="0" u="none" strike="noStrike" cap="none" normalizeH="0" baseline="0" dirty="0" smtClean="0">
-                <a:ln>
-                  <a:noFill/>
-                </a:ln>
-                <a:solidFill>
-                  <a:srgbClr val="4374B7"/>
-                </a:solidFill>
-                <a:effectLst/>
-                <a:latin typeface="Helvetica Neue"/>
-                <a:hlinkClick r:id="rId6"/>
-              </a:rPr>
-              <a:t>Creative Commons Attribution-</a:t>
-            </a:r>
-            <a:r>
-              <a:rPr kumimoji="0" lang="en-US" altLang="en-US" sz="2000" b="0" i="0" u="none" strike="noStrike" cap="none" normalizeH="0" baseline="0" dirty="0" err="1" smtClean="0">
-                <a:ln>
-                  <a:noFill/>
-                </a:ln>
-                <a:solidFill>
-                  <a:srgbClr val="4374B7"/>
-                </a:solidFill>
-                <a:effectLst/>
-                <a:latin typeface="Helvetica Neue"/>
-                <a:hlinkClick r:id="rId6"/>
-              </a:rPr>
-              <a:t>NonCommercial</a:t>
-            </a:r>
-            <a:r>
-              <a:rPr kumimoji="0" lang="en-US" altLang="en-US" sz="2000" b="0" i="0" u="none" strike="noStrike" cap="none" normalizeH="0" baseline="0" dirty="0" smtClean="0">
-                <a:ln>
-                  <a:noFill/>
-                </a:ln>
-                <a:solidFill>
-                  <a:srgbClr val="4374B7"/>
-                </a:solidFill>
-                <a:effectLst/>
-                <a:latin typeface="Helvetica Neue"/>
-                <a:hlinkClick r:id="rId6"/>
-              </a:rPr>
-              <a:t>-</a:t>
-            </a:r>
-            <a:r>
-              <a:rPr kumimoji="0" lang="en-US" altLang="en-US" sz="2000" b="0" i="0" u="none" strike="noStrike" cap="none" normalizeH="0" baseline="0" dirty="0" err="1" smtClean="0">
-                <a:ln>
-                  <a:noFill/>
-                </a:ln>
-                <a:solidFill>
-                  <a:srgbClr val="4374B7"/>
-                </a:solidFill>
-                <a:effectLst/>
-                <a:latin typeface="Helvetica Neue"/>
-                <a:hlinkClick r:id="rId6"/>
-              </a:rPr>
-              <a:t>ShareAlike</a:t>
-            </a:r>
-            <a:r>
-              <a:rPr kumimoji="0" lang="en-US" altLang="en-US" sz="2000" b="0" i="0" u="none" strike="noStrike" cap="none" normalizeH="0" baseline="0" dirty="0" smtClean="0">
-                <a:ln>
-                  <a:noFill/>
-                </a:ln>
-                <a:solidFill>
-                  <a:srgbClr val="4374B7"/>
-                </a:solidFill>
-                <a:effectLst/>
-                <a:latin typeface="Helvetica Neue"/>
-                <a:hlinkClick r:id="rId6"/>
-              </a:rPr>
-              <a:t> 4.0 International License</a:t>
-            </a:r>
-            <a:r>
-              <a:rPr kumimoji="0" lang="en-US" altLang="en-US" sz="2000" b="0" i="0" u="none" strike="noStrike" cap="none" normalizeH="0" baseline="0" dirty="0" smtClean="0">
-                <a:ln>
-                  <a:noFill/>
-                </a:ln>
-                <a:solidFill>
-                  <a:srgbClr val="000000"/>
-                </a:solidFill>
-                <a:effectLst/>
-                <a:latin typeface="Helvetica Neue"/>
-              </a:rPr>
-              <a:t>.</a:t>
-            </a:r>
-            <a:r>
-              <a:rPr kumimoji="0" lang="en-US" altLang="en-US" sz="1600" b="0" i="0" u="none" strike="noStrike" cap="none" normalizeH="0" baseline="0" dirty="0" smtClean="0">
-                <a:ln>
-                  <a:noFill/>
-                </a:ln>
-                <a:solidFill>
-                  <a:schemeClr val="tx1"/>
-                </a:solidFill>
-                <a:effectLst/>
-              </a:rPr>
-              <a:t> </a:t>
-            </a:r>
-            <a:endParaRPr kumimoji="0" lang="en-US" altLang="en-US" sz="2000" b="0" i="0" u="none" strike="noStrike" cap="none" normalizeH="0" baseline="0" dirty="0" smtClean="0">
-              <a:ln>
-                <a:noFill/>
-              </a:ln>
-              <a:solidFill>
-                <a:srgbClr val="4374B7"/>
-              </a:solidFill>
-              <a:effectLst/>
-              <a:latin typeface="Helvetica Neue"/>
-            </a:endParaRPr>
-          </a:p>
-        </p:txBody>
-      </p:sp>
-      <p:pic>
-        <p:nvPicPr>
-          <p:cNvPr id="6" name="Picture 2" descr="Creative Commons License">
-            <a:hlinkClick r:id="rId6"/>
-          </p:cNvPr>
-          <p:cNvPicPr>
-            <a:picLocks noChangeAspect="1" noChangeArrowheads="1"/>
-          </p:cNvPicPr>
-          <p:nvPr/>
-        </p:nvPicPr>
-        <p:blipFill>
-          <a:blip r:embed="rId7">
-            <a:extLst>
-              <a:ext uri="{28A0092B-C50C-407E-A947-70E740481C1C}">
-                <a14:useLocalDpi xmlns:a14="http://schemas.microsoft.com/office/drawing/2010/main" val="0"/>
-              </a:ext>
-            </a:extLst>
-          </a:blip>
-          <a:srcRect/>
-          <a:stretch>
-            <a:fillRect/>
-          </a:stretch>
-        </p:blipFill>
-        <p:spPr bwMode="auto">
-          <a:xfrm>
-            <a:off x="3729359" y="4787226"/>
-            <a:ext cx="2161449" cy="761422"/>
-          </a:xfrm>
-          <a:prstGeom prst="rect">
-            <a:avLst/>
-          </a:prstGeom>
-          <a:noFill/>
-          <a:extLst>
-            <a:ext uri="{909E8E84-426E-40DD-AFC4-6F175D3DCCD1}">
-              <a14:hiddenFill xmlns:a14="http://schemas.microsoft.com/office/drawing/2010/main">
-                <a:solidFill>
-                  <a:srgbClr val="FFFFFF"/>
-                </a:solidFill>
-              </a14:hiddenFill>
-            </a:ext>
-          </a:extLst>
-        </p:spPr>
-      </p:pic>
-      <p:sp>
-        <p:nvSpPr>
-          <p:cNvPr id="7" name="Slide Number Placeholder 6"/>
-          <p:cNvSpPr>
-            <a:spLocks noGrp="1"/>
-          </p:cNvSpPr>
-          <p:nvPr>
-            <p:ph type="sldNum" sz="quarter" idx="12"/>
-          </p:nvPr>
-        </p:nvSpPr>
-        <p:spPr/>
-        <p:txBody>
-          <a:bodyPr/>
-          <a:lstStyle/>
-          <a:p>
-            <a:fld id="{4382A7F7-08BF-4252-8141-63FB96055BBB}" type="slidenum">
-              <a:rPr lang="en-US" smtClean="0"/>
-              <a:t>10</a:t>
-            </a:fld>
-            <a:endParaRPr lang="en-US"/>
-          </a:p>
-        </p:txBody>
-      </p:sp>
-    </p:spTree>
-    <p:extLst>
-      <p:ext uri="{BB962C8B-B14F-4D97-AF65-F5344CB8AC3E}">
-        <p14:creationId xmlns:p14="http://schemas.microsoft.com/office/powerpoint/2010/main" val="4261110021"/>
-      </p:ext>
-    </p:extLst>
-  </p:cSld>
-  <p:clrMapOvr>
-    <a:masterClrMapping/>
-  </p:clrMapOvr>
-  <mc:AlternateContent xmlns:mc="http://schemas.openxmlformats.org/markup-compatibility/2006" xmlns:p14="http://schemas.microsoft.com/office/powerpoint/2010/main">
-    <mc:Choice Requires="p14">
-      <p:transition spd="slow" p14:dur="2000"/>
-    </mc:Choice>
-    <mc:Fallback xmlns="">
-      <p:transition spd="slow"/>
-    </mc:Fallback>
-  </mc:AlternateContent>
-  <p:timing>
-    <p:tnLst>
-      <p:par>
-        <p:cTn id="1" dur="indefinite" restart="never" nodeType="tmRoot"/>
-      </p:par>
-    </p:tnLst>
-  </p:timing>
-</p:sld>
-</file>
-
 <file path=ppt/slides/slide2.xml><?xml version="1.0" encoding="utf-8"?>
 <p:sld xmlns:a="http://schemas.openxmlformats.org/drawingml/2006/main" xmlns:r="http://schemas.openxmlformats.org/officeDocument/2006/relationships" xmlns:p="http://schemas.openxmlformats.org/presentationml/2006/main">
   <p:cSld>
@@ -10852,8 +10102,8 @@
           <a:lstStyle/>
           <a:p>
             <a:r>
-              <a:rPr lang="en-US" dirty="0" smtClean="0"/>
-              <a:t>© 2015 EV3Lessons.com, Last edit 1/30/2015</a:t>
+              <a:rPr lang="sk-SK" smtClean="0"/>
+              <a:t>© 2015 EV3Lessons.com, Last edit 12/19/2015</a:t>
             </a:r>
             <a:endParaRPr lang="en-US" dirty="0"/>
           </a:p>
@@ -11663,8 +10913,8 @@
           <a:lstStyle/>
           <a:p>
             <a:r>
-              <a:rPr lang="en-US" dirty="0" smtClean="0"/>
-              <a:t>© 2015 EV3Lessons.com, Last edit 1/30/2015</a:t>
+              <a:rPr lang="sk-SK" smtClean="0"/>
+              <a:t>© 2015 EV3Lessons.com, Last edit 12/19/2015</a:t>
             </a:r>
             <a:endParaRPr lang="en-US" dirty="0"/>
           </a:p>
@@ -11856,7 +11106,7 @@
         </p:spPr>
         <p:txBody>
           <a:bodyPr>
-            <a:normAutofit fontScale="70000" lnSpcReduction="20000"/>
+            <a:normAutofit fontScale="92500" lnSpcReduction="10000"/>
           </a:bodyPr>
           <a:lstStyle/>
           <a:p>
@@ -12234,11 +11484,11 @@
             </a:r>
             <a:r>
               <a:rPr lang="en-US" dirty="0" smtClean="0"/>
-              <a:t> </a:t>
+              <a:t> para </a:t>
             </a:r>
             <a:r>
               <a:rPr lang="en-US" dirty="0" err="1" smtClean="0"/>
-              <a:t>para</a:t>
+              <a:t>fazer</a:t>
             </a:r>
             <a:r>
               <a:rPr lang="en-US" dirty="0" smtClean="0"/>
@@ -12246,7 +11496,7 @@
             </a:r>
             <a:r>
               <a:rPr lang="en-US" dirty="0" err="1" smtClean="0"/>
-              <a:t>fazer</a:t>
+              <a:t>nossos</a:t>
             </a:r>
             <a:r>
               <a:rPr lang="en-US" dirty="0" smtClean="0"/>
@@ -12254,7 +11504,7 @@
             </a:r>
             <a:r>
               <a:rPr lang="en-US" dirty="0" err="1" smtClean="0"/>
-              <a:t>nossos</a:t>
+              <a:t>movimentos</a:t>
             </a:r>
             <a:r>
               <a:rPr lang="en-US" dirty="0" smtClean="0"/>
@@ -12262,7 +11512,7 @@
             </a:r>
             <a:r>
               <a:rPr lang="en-US" dirty="0" err="1" smtClean="0"/>
-              <a:t>movimentos</a:t>
+              <a:t>mais</a:t>
             </a:r>
             <a:r>
               <a:rPr lang="en-US" dirty="0" smtClean="0"/>
@@ -12270,135 +11520,9 @@
             </a:r>
             <a:r>
               <a:rPr lang="en-US" dirty="0" err="1" smtClean="0"/>
-              <a:t>mais</a:t>
-            </a:r>
-            <a:r>
-              <a:rPr lang="en-US" dirty="0" smtClean="0"/>
-              <a:t> </a:t>
-            </a:r>
-            <a:r>
-              <a:rPr lang="en-US" dirty="0" err="1" smtClean="0"/>
               <a:t>eficientemente</a:t>
             </a:r>
             <a:endParaRPr lang="en-US" b="0" dirty="0" smtClean="0"/>
-          </a:p>
-          <a:p>
-            <a:r>
-              <a:rPr lang="en-US" dirty="0" smtClean="0"/>
-              <a:t>Gyro Turn: use sensor de </a:t>
-            </a:r>
-            <a:r>
-              <a:rPr lang="en-US" dirty="0" err="1" smtClean="0"/>
-              <a:t>giro</a:t>
-            </a:r>
-            <a:endParaRPr lang="en-US" dirty="0" smtClean="0"/>
-          </a:p>
-          <a:p>
-            <a:pPr marL="342900" indent="-342900">
-              <a:buFont typeface="Arial"/>
-              <a:buChar char="•"/>
-            </a:pPr>
-            <a:r>
-              <a:rPr lang="en-US" b="0" dirty="0" err="1" smtClean="0"/>
-              <a:t>Nós</a:t>
-            </a:r>
-            <a:r>
-              <a:rPr lang="en-US" b="0" dirty="0" smtClean="0"/>
-              <a:t> </a:t>
-            </a:r>
-            <a:r>
-              <a:rPr lang="en-US" b="0" dirty="0" err="1" smtClean="0"/>
-              <a:t>usamos</a:t>
-            </a:r>
-            <a:r>
-              <a:rPr lang="en-US" b="0" dirty="0" smtClean="0"/>
-              <a:t> </a:t>
-            </a:r>
-            <a:r>
-              <a:rPr lang="en-US" dirty="0" err="1" smtClean="0"/>
-              <a:t>controle</a:t>
-            </a:r>
-            <a:r>
-              <a:rPr lang="en-US" dirty="0" smtClean="0"/>
-              <a:t> </a:t>
-            </a:r>
-            <a:r>
-              <a:rPr lang="en-US" dirty="0" err="1" smtClean="0"/>
-              <a:t>proporcional</a:t>
-            </a:r>
-            <a:r>
-              <a:rPr lang="en-US" dirty="0" smtClean="0"/>
-              <a:t> </a:t>
-            </a:r>
-            <a:r>
-              <a:rPr lang="en-US" dirty="0" err="1" smtClean="0"/>
-              <a:t>para</a:t>
-            </a:r>
-            <a:r>
-              <a:rPr lang="en-US" dirty="0" smtClean="0"/>
-              <a:t> </a:t>
-            </a:r>
-            <a:r>
-              <a:rPr lang="en-US" dirty="0" err="1" smtClean="0"/>
-              <a:t>fazer</a:t>
-            </a:r>
-            <a:r>
-              <a:rPr lang="en-US" dirty="0" smtClean="0"/>
-              <a:t> </a:t>
-            </a:r>
-            <a:r>
-              <a:rPr lang="en-US" dirty="0" err="1" smtClean="0"/>
-              <a:t>corretamente</a:t>
-            </a:r>
-            <a:r>
-              <a:rPr lang="en-US" dirty="0" smtClean="0"/>
-              <a:t> </a:t>
-            </a:r>
-            <a:r>
-              <a:rPr lang="en-US" dirty="0" err="1" smtClean="0"/>
-              <a:t>para</a:t>
-            </a:r>
-            <a:r>
-              <a:rPr lang="en-US" dirty="0" smtClean="0"/>
-              <a:t> </a:t>
-            </a:r>
-            <a:r>
-              <a:rPr lang="en-US" dirty="0" err="1" smtClean="0"/>
-              <a:t>conseguirmos</a:t>
-            </a:r>
-            <a:r>
-              <a:rPr lang="en-US" dirty="0" smtClean="0"/>
-              <a:t> </a:t>
-            </a:r>
-            <a:r>
-              <a:rPr lang="en-US" dirty="0" err="1" smtClean="0"/>
-              <a:t>virar</a:t>
-            </a:r>
-            <a:r>
-              <a:rPr lang="en-US" dirty="0" smtClean="0"/>
-              <a:t> a </a:t>
-            </a:r>
-            <a:r>
-              <a:rPr lang="en-US" dirty="0" err="1" smtClean="0"/>
-              <a:t>quantidade</a:t>
-            </a:r>
-            <a:r>
-              <a:rPr lang="en-US" dirty="0" smtClean="0"/>
-              <a:t> </a:t>
-            </a:r>
-            <a:r>
-              <a:rPr lang="en-US" dirty="0" err="1" smtClean="0"/>
-              <a:t>que</a:t>
-            </a:r>
-            <a:r>
-              <a:rPr lang="en-US" dirty="0" smtClean="0"/>
-              <a:t> </a:t>
-            </a:r>
-            <a:r>
-              <a:rPr lang="en-US" dirty="0" err="1" smtClean="0"/>
-              <a:t>queremos</a:t>
-            </a:r>
-            <a:endParaRPr lang="en-US" b="0" dirty="0"/>
           </a:p>
         </p:txBody>
       </p:sp>
@@ -12418,8 +11542,8 @@
           <a:lstStyle/>
           <a:p>
             <a:r>
-              <a:rPr lang="en-US" dirty="0" smtClean="0"/>
-              <a:t>© 2015 EV3Lessons.com, Last edit 1/30/2015</a:t>
+              <a:rPr lang="sk-SK" smtClean="0"/>
+              <a:t>© 2015 EV3Lessons.com, Last edit 12/19/2015</a:t>
             </a:r>
             <a:endParaRPr lang="en-US" dirty="0"/>
           </a:p>
@@ -12549,8 +11673,8 @@
           <a:lstStyle/>
           <a:p>
             <a:r>
-              <a:rPr lang="en-US" dirty="0" smtClean="0"/>
-              <a:t>© 2015 EV3Lessons.com, Last edit 1/30/2015</a:t>
+              <a:rPr lang="sk-SK" smtClean="0"/>
+              <a:t>© 2015 EV3Lessons.com, Last edit 12/19/2015</a:t>
             </a:r>
             <a:endParaRPr lang="en-US" dirty="0"/>
           </a:p>
@@ -12565,14 +11689,14 @@
           <p:nvPr>
             <p:extLst>
               <p:ext uri="{D42A27DB-BD31-4B8C-83A1-F6EECF244321}">
-                <p14:modId xmlns:p14="http://schemas.microsoft.com/office/powerpoint/2010/main" val="1110750752"/>
+                <p14:modId xmlns:p14="http://schemas.microsoft.com/office/powerpoint/2010/main" val="1199767919"/>
               </p:ext>
             </p:extLst>
           </p:nvPr>
         </p:nvGraphicFramePr>
         <p:xfrm>
           <a:off x="602341" y="2087843"/>
-          <a:ext cx="7870372" cy="3937000"/>
+          <a:ext cx="7870372" cy="3022600"/>
         </p:xfrm>
         <a:graphic>
           <a:graphicData uri="http://schemas.openxmlformats.org/drawingml/2006/table">
@@ -13068,180 +12192,6 @@
                   <a:tcPr/>
                 </a:tc>
               </a:tr>
-              <a:tr h="370840">
-                <a:tc>
-                  <a:txBody>
-                    <a:bodyPr/>
-                    <a:lstStyle/>
-                    <a:p>
-                      <a:r>
-                        <a:rPr lang="en-US" b="1" dirty="0" smtClean="0"/>
-                        <a:t>Gyro</a:t>
-                      </a:r>
-                      <a:r>
-                        <a:rPr lang="en-US" b="1" baseline="0" dirty="0" smtClean="0"/>
-                        <a:t> Turn</a:t>
-                      </a:r>
-                      <a:endParaRPr lang="en-US" b="1" dirty="0"/>
-                    </a:p>
-                  </a:txBody>
-                  <a:tcPr/>
-                </a:tc>
-                <a:tc>
-                  <a:txBody>
-                    <a:bodyPr/>
-                    <a:lstStyle/>
-                    <a:p>
-                      <a:r>
-                        <a:rPr lang="en-US" dirty="0" err="1" smtClean="0"/>
-                        <a:t>Vire</a:t>
-                      </a:r>
-                      <a:r>
-                        <a:rPr lang="en-US" dirty="0" smtClean="0"/>
-                        <a:t> </a:t>
-                      </a:r>
-                      <a:r>
-                        <a:rPr lang="en-US" dirty="0" err="1" smtClean="0"/>
-                        <a:t>ao</a:t>
-                      </a:r>
-                      <a:r>
-                        <a:rPr lang="en-US" dirty="0" smtClean="0"/>
-                        <a:t> </a:t>
-                      </a:r>
-                      <a:r>
-                        <a:rPr lang="en-US" dirty="0" err="1" smtClean="0"/>
-                        <a:t>ângulo</a:t>
-                      </a:r>
-                      <a:r>
-                        <a:rPr lang="en-US" dirty="0" smtClean="0"/>
-                        <a:t> do </a:t>
-                      </a:r>
-                      <a:r>
-                        <a:rPr lang="en-US" dirty="0" err="1" smtClean="0"/>
-                        <a:t>alvo</a:t>
-                      </a:r>
-                      <a:endParaRPr lang="en-US" dirty="0"/>
-                    </a:p>
-                  </a:txBody>
-                  <a:tcPr/>
-                </a:tc>
-                <a:tc>
-                  <a:txBody>
-                    <a:bodyPr/>
-                    <a:lstStyle/>
-                    <a:p>
-                      <a:r>
-                        <a:rPr lang="en-US" dirty="0" err="1" smtClean="0"/>
-                        <a:t>Quantos</a:t>
-                      </a:r>
-                      <a:r>
-                        <a:rPr lang="en-US" baseline="0" dirty="0" smtClean="0"/>
-                        <a:t> </a:t>
-                      </a:r>
-                      <a:r>
-                        <a:rPr lang="en-US" baseline="0" dirty="0" err="1" smtClean="0"/>
-                        <a:t>graus</a:t>
-                      </a:r>
-                      <a:r>
-                        <a:rPr lang="en-US" baseline="0" dirty="0" smtClean="0"/>
-                        <a:t> </a:t>
-                      </a:r>
-                      <a:r>
-                        <a:rPr lang="en-US" baseline="0" dirty="0" err="1" smtClean="0"/>
-                        <a:t>nós</a:t>
-                      </a:r>
-                      <a:r>
-                        <a:rPr lang="en-US" baseline="0" dirty="0" smtClean="0"/>
-                        <a:t> </a:t>
-                      </a:r>
-                      <a:r>
-                        <a:rPr lang="en-US" baseline="0" dirty="0" err="1" smtClean="0"/>
-                        <a:t>estamos</a:t>
-                      </a:r>
-                      <a:r>
-                        <a:rPr lang="en-US" baseline="0" dirty="0" smtClean="0"/>
-                        <a:t> da </a:t>
-                      </a:r>
-                      <a:r>
-                        <a:rPr lang="en-US" baseline="0" dirty="0" err="1" smtClean="0"/>
-                        <a:t>volta</a:t>
-                      </a:r>
-                      <a:r>
-                        <a:rPr lang="en-US" baseline="0" dirty="0" smtClean="0"/>
-                        <a:t> </a:t>
-                      </a:r>
-                      <a:r>
-                        <a:rPr lang="en-US" baseline="0" dirty="0" err="1" smtClean="0"/>
-                        <a:t>alvo</a:t>
-                      </a:r>
-                      <a:endParaRPr lang="en-US" dirty="0"/>
-                    </a:p>
-                  </a:txBody>
-                  <a:tcPr/>
-                </a:tc>
-                <a:tc>
-                  <a:txBody>
-                    <a:bodyPr/>
-                    <a:lstStyle/>
-                    <a:p>
-                      <a:r>
-                        <a:rPr lang="en-US" dirty="0" err="1" smtClean="0"/>
-                        <a:t>Vire</a:t>
-                      </a:r>
-                      <a:r>
-                        <a:rPr lang="en-US" dirty="0" smtClean="0"/>
-                        <a:t> </a:t>
-                      </a:r>
-                      <a:r>
-                        <a:rPr lang="en-US" dirty="0" err="1" smtClean="0"/>
-                        <a:t>mais</a:t>
-                      </a:r>
-                      <a:r>
-                        <a:rPr lang="en-US" dirty="0" smtClean="0"/>
-                        <a:t> </a:t>
-                      </a:r>
-                      <a:r>
-                        <a:rPr lang="en-US" dirty="0" err="1" smtClean="0"/>
-                        <a:t>rápido</a:t>
-                      </a:r>
-                      <a:r>
-                        <a:rPr lang="en-US" dirty="0" smtClean="0"/>
-                        <a:t> </a:t>
-                      </a:r>
-                      <a:r>
-                        <a:rPr lang="en-US" dirty="0" err="1" smtClean="0"/>
-                        <a:t>baseado</a:t>
-                      </a:r>
-                      <a:r>
-                        <a:rPr lang="en-US" dirty="0" smtClean="0"/>
-                        <a:t> </a:t>
-                      </a:r>
-                      <a:r>
-                        <a:rPr lang="en-US" dirty="0" err="1" smtClean="0"/>
-                        <a:t>nos</a:t>
-                      </a:r>
-                      <a:r>
-                        <a:rPr lang="en-US" baseline="0" dirty="0" smtClean="0"/>
-                        <a:t> </a:t>
-                      </a:r>
-                      <a:r>
-                        <a:rPr lang="en-US" baseline="0" dirty="0" err="1" smtClean="0"/>
-                        <a:t>graus</a:t>
-                      </a:r>
-                      <a:r>
-                        <a:rPr lang="en-US" baseline="0" dirty="0" smtClean="0"/>
-                        <a:t> </a:t>
-                      </a:r>
-                      <a:r>
-                        <a:rPr lang="en-US" baseline="0" dirty="0" err="1" smtClean="0"/>
-                        <a:t>remanescentes</a:t>
-                      </a:r>
-                      <a:endParaRPr lang="en-US" dirty="0"/>
-                    </a:p>
-                  </a:txBody>
-                  <a:tcPr/>
-                </a:tc>
-              </a:tr>
             </a:tbl>
           </a:graphicData>
         </a:graphic>
@@ -13365,8 +12315,8 @@
           <a:lstStyle/>
           <a:p>
             <a:r>
-              <a:rPr lang="en-US" dirty="0" smtClean="0"/>
-              <a:t>© 2015 EV3Lessons.com, Last edit 1/30/2015</a:t>
+              <a:rPr lang="sk-SK" smtClean="0"/>
+              <a:t>© 2015 EV3Lessons.com, Last edit 12/19/2015</a:t>
             </a:r>
             <a:endParaRPr lang="en-US" dirty="0"/>
           </a:p>
@@ -14018,8 +12968,8 @@
           <a:lstStyle/>
           <a:p>
             <a:r>
-              <a:rPr lang="en-US" dirty="0" smtClean="0"/>
-              <a:t>© 2015 EV3Lessons.com, Last edit 1/30/2015</a:t>
+              <a:rPr lang="sk-SK" smtClean="0"/>
+              <a:t>© 2015 EV3Lessons.com, Last edit 12/19/2015</a:t>
             </a:r>
             <a:endParaRPr lang="en-US" dirty="0"/>
           </a:p>
@@ -14514,12 +13464,60 @@
           <a:lstStyle/>
           <a:p>
             <a:r>
+              <a:rPr lang="en-US" dirty="0" err="1" smtClean="0">
+                <a:latin typeface="+mn-lt"/>
+              </a:rPr>
+              <a:t>Créditos</a:t>
+            </a:r>
+            <a:endParaRPr lang="en-US" dirty="0">
+              <a:latin typeface="+mn-lt"/>
+            </a:endParaRPr>
+          </a:p>
+        </p:txBody>
+      </p:sp>
+      <p:sp>
+        <p:nvSpPr>
+          <p:cNvPr id="3" name="Content Placeholder 2"/>
+          <p:cNvSpPr>
+            <a:spLocks noGrp="1"/>
+          </p:cNvSpPr>
+          <p:nvPr>
+            <p:ph idx="1"/>
+          </p:nvPr>
+        </p:nvSpPr>
+        <p:spPr>
+          <a:xfrm>
+            <a:off x="284162" y="1915912"/>
+            <a:ext cx="8574087" cy="3581400"/>
+          </a:xfrm>
+        </p:spPr>
+        <p:txBody>
+          <a:bodyPr>
+            <a:normAutofit/>
+          </a:bodyPr>
+          <a:lstStyle/>
+          <a:p>
+            <a:pPr marL="454025" lvl="1" indent="-454025">
+              <a:spcBef>
+                <a:spcPts val="2000"/>
+              </a:spcBef>
+              <a:buClr>
+                <a:schemeClr val="bg1">
+                  <a:lumMod val="65000"/>
+                </a:schemeClr>
+              </a:buClr>
+            </a:pPr>
+            <a:r>
+              <a:rPr lang="en-US" dirty="0" err="1" smtClean="0"/>
+              <a:t>Esse</a:t>
+            </a:r>
+            <a:r>
               <a:rPr lang="en-US" dirty="0" smtClean="0"/>
-              <a:t>Gir0: </a:t>
+              <a:t> tutorial </a:t>
             </a:r>
             <a:r>
               <a:rPr lang="en-US" dirty="0" err="1" smtClean="0"/>
-              <a:t>Curva</a:t>
+              <a:t>foi</a:t>
             </a:r>
             <a:r>
               <a:rPr lang="en-US" dirty="0" smtClean="0"/>
@@ -14527,7 +13525,7 @@
             </a:r>
             <a:r>
               <a:rPr lang="en-US" dirty="0" err="1" smtClean="0"/>
-              <a:t>na</a:t>
+              <a:t>criado</a:t>
             </a:r>
             <a:r>
               <a:rPr lang="en-US" dirty="0" smtClean="0"/>
@@ -14535,11 +13533,152 @@
             </a:r>
             <a:r>
               <a:rPr lang="en-US" dirty="0" err="1" smtClean="0"/>
-              <a:t>esquerda</a:t>
+              <a:t>por</a:t>
+            </a:r>
+            <a:r>
+              <a:rPr lang="en-US" dirty="0" smtClean="0"/>
+              <a:t> Sanjay </a:t>
+            </a:r>
+            <a:r>
+              <a:rPr lang="en-US" dirty="0" err="1" smtClean="0"/>
+              <a:t>Seshan</a:t>
+            </a:r>
+            <a:r>
+              <a:rPr lang="en-US" dirty="0" smtClean="0"/>
+              <a:t> e Arvind </a:t>
+            </a:r>
+            <a:r>
+              <a:rPr lang="en-US" dirty="0" err="1" smtClean="0"/>
+              <a:t>Seshan</a:t>
+            </a:r>
+            <a:r>
+              <a:rPr lang="en-US" dirty="0" smtClean="0"/>
+              <a:t> do Droids Robotics </a:t>
+            </a:r>
+            <a:r>
+              <a:rPr lang="en-US" dirty="0"/>
+              <a:t>(</a:t>
+            </a:r>
+            <a:r>
+              <a:rPr lang="en-US" dirty="0" smtClean="0">
+                <a:hlinkClick r:id="rId3"/>
+              </a:rPr>
+              <a:t>team@droidsrobotics.org</a:t>
+            </a:r>
+            <a:r>
+              <a:rPr lang="en-US" dirty="0" smtClean="0"/>
+              <a:t>).</a:t>
+            </a:r>
+          </a:p>
+          <a:p>
+            <a:pPr marL="454025" lvl="1" indent="-454025">
+              <a:spcBef>
+                <a:spcPts val="2000"/>
+              </a:spcBef>
+              <a:buClr>
+                <a:schemeClr val="bg1">
+                  <a:lumMod val="65000"/>
+                </a:schemeClr>
+              </a:buClr>
+            </a:pPr>
+            <a:r>
+              <a:rPr lang="en-US" dirty="0" err="1" smtClean="0"/>
+              <a:t>Mais</a:t>
             </a:r>
             <a:r>
               <a:rPr lang="en-US" dirty="0" smtClean="0"/>
               <a:t> </a:t>
+            </a:r>
+            <a:r>
+              <a:rPr lang="en-US" dirty="0" err="1" smtClean="0"/>
+              <a:t>lições</a:t>
+            </a:r>
+            <a:r>
+              <a:rPr lang="en-US" dirty="0" smtClean="0"/>
+              <a:t> </a:t>
+            </a:r>
+            <a:r>
+              <a:rPr lang="en-US" dirty="0" err="1" smtClean="0"/>
+              <a:t>em</a:t>
+            </a:r>
+            <a:r>
+              <a:rPr lang="en-US" dirty="0" smtClean="0"/>
+              <a:t> </a:t>
+            </a:r>
+            <a:r>
+              <a:rPr lang="en-US" dirty="0" smtClean="0">
+                <a:hlinkClick r:id="rId4"/>
+              </a:rPr>
+              <a:t>www.ev3lessons.com</a:t>
+            </a:r>
+            <a:endParaRPr lang="en-US" dirty="0" smtClean="0"/>
+          </a:p>
+          <a:p>
+            <a:pPr marL="454025" lvl="1" indent="-454025">
+              <a:spcBef>
+                <a:spcPts val="2000"/>
+              </a:spcBef>
+              <a:buClr>
+                <a:schemeClr val="bg1">
+                  <a:lumMod val="65000"/>
+                </a:schemeClr>
+              </a:buClr>
+            </a:pPr>
+            <a:r>
+              <a:rPr lang="en-US" dirty="0" err="1" smtClean="0"/>
+              <a:t>Esse</a:t>
+            </a:r>
+            <a:r>
+              <a:rPr lang="en-US" dirty="0" smtClean="0"/>
+              <a:t> tutorial </a:t>
+            </a:r>
+            <a:r>
+              <a:rPr lang="en-US" dirty="0" err="1" smtClean="0"/>
+              <a:t>foi</a:t>
+            </a:r>
+            <a:r>
+              <a:rPr lang="en-US" dirty="0" smtClean="0"/>
+              <a:t> </a:t>
+            </a:r>
+            <a:r>
+              <a:rPr lang="en-US" dirty="0" err="1" smtClean="0"/>
+              <a:t>traduzido</a:t>
+            </a:r>
+            <a:r>
+              <a:rPr lang="en-US" dirty="0" smtClean="0"/>
+              <a:t> </a:t>
+            </a:r>
+            <a:r>
+              <a:rPr lang="en-US" dirty="0" err="1" smtClean="0"/>
+              <a:t>por</a:t>
+            </a:r>
+            <a:r>
+              <a:rPr lang="en-US" dirty="0" smtClean="0"/>
+              <a:t> </a:t>
+            </a:r>
+            <a:r>
+              <a:rPr lang="en-US" dirty="0" err="1" smtClean="0"/>
+              <a:t>João</a:t>
+            </a:r>
+            <a:r>
+              <a:rPr lang="en-US" dirty="0" smtClean="0"/>
+              <a:t> Victor </a:t>
+            </a:r>
+            <a:r>
+              <a:rPr lang="en-US" dirty="0" err="1" smtClean="0"/>
+              <a:t>Quintanilha</a:t>
+            </a:r>
+            <a:r>
+              <a:rPr lang="en-US" dirty="0" smtClean="0"/>
+              <a:t>, José </a:t>
+            </a:r>
+            <a:r>
+              <a:rPr lang="en-US" dirty="0" err="1" smtClean="0"/>
+              <a:t>Mateus</a:t>
+            </a:r>
+            <a:r>
+              <a:rPr lang="en-US" dirty="0" smtClean="0"/>
+              <a:t> e Bruno Leonardo.</a:t>
             </a:r>
             <a:endParaRPr lang="en-US" dirty="0"/>
           </a:p>
@@ -14561,46 +13700,464 @@
           <a:lstStyle/>
           <a:p>
             <a:r>
-              <a:rPr lang="en-US" dirty="0" smtClean="0"/>
-              <a:t>© 2015 EV3Lessons.com, Last edit 1/30/2015</a:t>
-            </a:r>
-            <a:endParaRPr lang="en-US" dirty="0"/>
+              <a:rPr lang="sk-SK" smtClean="0"/>
+              <a:t>© 2015 EV3Lessons.com, Last edit 12/19/2015</a:t>
+            </a:r>
+            <a:endParaRPr lang="en-US"/>
+          </a:p>
+        </p:txBody>
+      </p:sp>
+      <p:sp>
+        <p:nvSpPr>
+          <p:cNvPr id="5" name="Rectangle 1"/>
+          <p:cNvSpPr>
+            <a:spLocks noChangeArrowheads="1"/>
+          </p:cNvSpPr>
+          <p:nvPr/>
+        </p:nvSpPr>
+        <p:spPr bwMode="auto">
+          <a:xfrm>
+            <a:off x="457199" y="5545845"/>
+            <a:ext cx="7913347" cy="615553"/>
+          </a:xfrm>
+          <a:prstGeom prst="rect">
+            <a:avLst/>
+          </a:prstGeom>
+          <a:solidFill>
+            <a:srgbClr val="F5F5F5"/>
+          </a:solidFill>
+          <a:ln>
+            <a:noFill/>
+          </a:ln>
+          <a:effectLst/>
+          <a:extLst>
+            <a:ext uri="{91240B29-F687-4F45-9708-019B960494DF}">
+              <a14:hiddenLine xmlns:a14="http://schemas.microsoft.com/office/drawing/2010/main" w="9525">
+                <a:solidFill>
+                  <a:schemeClr val="tx1"/>
+                </a:solidFill>
+                <a:miter lim="800000"/>
+                <a:headEnd/>
+                <a:tailEnd/>
+              </a14:hiddenLine>
+            </a:ext>
+            <a:ext uri="{AF507438-7753-43E0-B8FC-AC1667EBCBE1}">
+              <a14:hiddenEffects xmlns:a14="http://schemas.microsoft.com/office/drawing/2010/main">
+                <a:effectLst>
+                  <a:outerShdw dist="35921" dir="2700000" algn="ctr" rotWithShape="0">
+                    <a:schemeClr val="bg2"/>
+                  </a:outerShdw>
+                </a:effectLst>
+              </a14:hiddenEffects>
+            </a:ext>
+          </a:extLst>
+        </p:spPr>
+        <p:txBody>
+          <a:bodyPr vert="horz" wrap="square" lIns="0" tIns="0" rIns="0" bIns="0" numCol="1" anchor="ctr" anchorCtr="0" compatLnSpc="1">
+            <a:prstTxWarp prst="textNoShape">
+              <a:avLst/>
+            </a:prstTxWarp>
+            <a:spAutoFit/>
+          </a:bodyPr>
+          <a:lstStyle>
+            <a:lvl1pPr eaLnBrk="0" fontAlgn="base" hangingPunct="0">
+              <a:spcBef>
+                <a:spcPct val="0"/>
+              </a:spcBef>
+              <a:spcAft>
+                <a:spcPct val="0"/>
+              </a:spcAft>
+              <a:defRPr>
+                <a:solidFill>
+                  <a:schemeClr val="tx1"/>
+                </a:solidFill>
+                <a:latin typeface="Arial" panose="020B0604020202020204" pitchFamily="34" charset="0"/>
+              </a:defRPr>
+            </a:lvl1pPr>
+            <a:lvl2pPr eaLnBrk="0" fontAlgn="base" hangingPunct="0">
+              <a:spcBef>
+                <a:spcPct val="0"/>
+              </a:spcBef>
+              <a:spcAft>
+                <a:spcPct val="0"/>
+              </a:spcAft>
+              <a:defRPr>
+                <a:solidFill>
+                  <a:schemeClr val="tx1"/>
+                </a:solidFill>
+                <a:latin typeface="Arial" panose="020B0604020202020204" pitchFamily="34" charset="0"/>
+              </a:defRPr>
+            </a:lvl2pPr>
+            <a:lvl3pPr eaLnBrk="0" fontAlgn="base" hangingPunct="0">
+              <a:spcBef>
+                <a:spcPct val="0"/>
+              </a:spcBef>
+              <a:spcAft>
+                <a:spcPct val="0"/>
+              </a:spcAft>
+              <a:defRPr>
+                <a:solidFill>
+                  <a:schemeClr val="tx1"/>
+                </a:solidFill>
+                <a:latin typeface="Arial" panose="020B0604020202020204" pitchFamily="34" charset="0"/>
+              </a:defRPr>
+            </a:lvl3pPr>
+            <a:lvl4pPr eaLnBrk="0" fontAlgn="base" hangingPunct="0">
+              <a:spcBef>
+                <a:spcPct val="0"/>
+              </a:spcBef>
+              <a:spcAft>
+                <a:spcPct val="0"/>
+              </a:spcAft>
+              <a:defRPr>
+                <a:solidFill>
+                  <a:schemeClr val="tx1"/>
+                </a:solidFill>
+                <a:latin typeface="Arial" panose="020B0604020202020204" pitchFamily="34" charset="0"/>
+              </a:defRPr>
+            </a:lvl4pPr>
+            <a:lvl5pPr eaLnBrk="0" fontAlgn="base" hangingPunct="0">
+              <a:spcBef>
+                <a:spcPct val="0"/>
+              </a:spcBef>
+              <a:spcAft>
+                <a:spcPct val="0"/>
+              </a:spcAft>
+              <a:defRPr>
+                <a:solidFill>
+                  <a:schemeClr val="tx1"/>
+                </a:solidFill>
+                <a:latin typeface="Arial" panose="020B0604020202020204" pitchFamily="34" charset="0"/>
+              </a:defRPr>
+            </a:lvl5pPr>
+            <a:lvl6pPr eaLnBrk="0" fontAlgn="base" hangingPunct="0">
+              <a:spcBef>
+                <a:spcPct val="0"/>
+              </a:spcBef>
+              <a:spcAft>
+                <a:spcPct val="0"/>
+              </a:spcAft>
+              <a:defRPr>
+                <a:solidFill>
+                  <a:schemeClr val="tx1"/>
+                </a:solidFill>
+                <a:latin typeface="Arial" panose="020B0604020202020204" pitchFamily="34" charset="0"/>
+              </a:defRPr>
+            </a:lvl6pPr>
+            <a:lvl7pPr eaLnBrk="0" fontAlgn="base" hangingPunct="0">
+              <a:spcBef>
+                <a:spcPct val="0"/>
+              </a:spcBef>
+              <a:spcAft>
+                <a:spcPct val="0"/>
+              </a:spcAft>
+              <a:defRPr>
+                <a:solidFill>
+                  <a:schemeClr val="tx1"/>
+                </a:solidFill>
+                <a:latin typeface="Arial" panose="020B0604020202020204" pitchFamily="34" charset="0"/>
+              </a:defRPr>
+            </a:lvl7pPr>
+            <a:lvl8pPr eaLnBrk="0" fontAlgn="base" hangingPunct="0">
+              <a:spcBef>
+                <a:spcPct val="0"/>
+              </a:spcBef>
+              <a:spcAft>
+                <a:spcPct val="0"/>
+              </a:spcAft>
+              <a:defRPr>
+                <a:solidFill>
+                  <a:schemeClr val="tx1"/>
+                </a:solidFill>
+                <a:latin typeface="Arial" panose="020B0604020202020204" pitchFamily="34" charset="0"/>
+              </a:defRPr>
+            </a:lvl8pPr>
+            <a:lvl9pPr eaLnBrk="0" fontAlgn="base" hangingPunct="0">
+              <a:spcBef>
+                <a:spcPct val="0"/>
+              </a:spcBef>
+              <a:spcAft>
+                <a:spcPct val="0"/>
+              </a:spcAft>
+              <a:defRPr>
+                <a:solidFill>
+                  <a:schemeClr val="tx1"/>
+                </a:solidFill>
+                <a:latin typeface="Arial" panose="020B0604020202020204" pitchFamily="34" charset="0"/>
+              </a:defRPr>
+            </a:lvl9pPr>
+          </a:lstStyle>
+          <a:p>
+            <a:pPr marL="0" marR="0" lvl="0" indent="0" algn="ctr" defTabSz="914400" rtl="0" eaLnBrk="0" fontAlgn="base" latinLnBrk="0" hangingPunct="0">
+              <a:lnSpc>
+                <a:spcPct val="100000"/>
+              </a:lnSpc>
+              <a:spcBef>
+                <a:spcPct val="0"/>
+              </a:spcBef>
+              <a:spcAft>
+                <a:spcPct val="0"/>
+              </a:spcAft>
+              <a:buClrTx/>
+              <a:buSzTx/>
+              <a:buFontTx/>
+              <a:buNone/>
+              <a:tabLst/>
+            </a:pPr>
+            <a:r>
+              <a:rPr kumimoji="0" lang="en-US" altLang="en-US" sz="2000" b="0" i="0" u="none" strike="noStrike" cap="none" normalizeH="0" baseline="0" dirty="0" err="1" smtClean="0">
+                <a:ln>
+                  <a:noFill/>
+                </a:ln>
+                <a:solidFill>
+                  <a:srgbClr val="000000"/>
+                </a:solidFill>
+                <a:effectLst/>
+                <a:latin typeface="Helvetica Neue"/>
+              </a:rPr>
+              <a:t>Esse</a:t>
+            </a:r>
+            <a:r>
+              <a:rPr kumimoji="0" lang="en-US" altLang="en-US" sz="2000" b="0" i="0" u="none" strike="noStrike" cap="none" normalizeH="0" baseline="0" dirty="0" smtClean="0">
+                <a:ln>
+                  <a:noFill/>
+                </a:ln>
+                <a:solidFill>
+                  <a:srgbClr val="000000"/>
+                </a:solidFill>
+                <a:effectLst/>
+                <a:latin typeface="Helvetica Neue"/>
+              </a:rPr>
+              <a:t> </a:t>
+            </a:r>
+            <a:r>
+              <a:rPr kumimoji="0" lang="en-US" altLang="en-US" sz="2000" b="0" i="0" u="none" strike="noStrike" cap="none" normalizeH="0" baseline="0" dirty="0" err="1" smtClean="0">
+                <a:ln>
+                  <a:noFill/>
+                </a:ln>
+                <a:solidFill>
+                  <a:srgbClr val="000000"/>
+                </a:solidFill>
+                <a:effectLst/>
+                <a:latin typeface="Helvetica Neue"/>
+              </a:rPr>
+              <a:t>trabalho</a:t>
+            </a:r>
+            <a:r>
+              <a:rPr kumimoji="0" lang="en-US" altLang="en-US" sz="2000" b="0" i="0" u="none" strike="noStrike" cap="none" normalizeH="0" baseline="0" dirty="0" smtClean="0">
+                <a:ln>
+                  <a:noFill/>
+                </a:ln>
+                <a:solidFill>
+                  <a:srgbClr val="000000"/>
+                </a:solidFill>
+                <a:effectLst/>
+                <a:latin typeface="Helvetica Neue"/>
+              </a:rPr>
+              <a:t> é </a:t>
+            </a:r>
+            <a:r>
+              <a:rPr kumimoji="0" lang="en-US" altLang="en-US" sz="2000" b="0" i="0" u="none" strike="noStrike" cap="none" normalizeH="0" baseline="0" dirty="0" err="1" smtClean="0">
+                <a:ln>
+                  <a:noFill/>
+                </a:ln>
+                <a:solidFill>
+                  <a:srgbClr val="000000"/>
+                </a:solidFill>
+                <a:effectLst/>
+                <a:latin typeface="Helvetica Neue"/>
+              </a:rPr>
+              <a:t>licenciado</a:t>
+            </a:r>
+            <a:r>
+              <a:rPr kumimoji="0" lang="en-US" altLang="en-US" sz="2000" b="0" i="0" u="none" strike="noStrike" cap="none" normalizeH="0" baseline="0" dirty="0" smtClean="0">
+                <a:ln>
+                  <a:noFill/>
+                </a:ln>
+                <a:solidFill>
+                  <a:srgbClr val="000000"/>
+                </a:solidFill>
+                <a:effectLst/>
+                <a:latin typeface="Helvetica Neue"/>
+              </a:rPr>
+              <a:t> </a:t>
+            </a:r>
+            <a:r>
+              <a:rPr kumimoji="0" lang="en-US" altLang="en-US" sz="2000" b="0" i="0" u="none" strike="noStrike" cap="none" normalizeH="0" baseline="0" dirty="0" err="1" smtClean="0">
+                <a:ln>
+                  <a:noFill/>
+                </a:ln>
+                <a:solidFill>
+                  <a:srgbClr val="000000"/>
+                </a:solidFill>
+                <a:effectLst/>
+                <a:latin typeface="Helvetica Neue"/>
+              </a:rPr>
+              <a:t>sobre</a:t>
+            </a:r>
+            <a:r>
+              <a:rPr lang="en-US" altLang="en-US" sz="2000" dirty="0">
+                <a:solidFill>
+                  <a:srgbClr val="000000"/>
+                </a:solidFill>
+                <a:latin typeface="Helvetica Neue"/>
+              </a:rPr>
+              <a:t> </a:t>
+            </a:r>
+            <a:r>
+              <a:rPr kumimoji="0" lang="en-US" altLang="en-US" sz="2000" b="0" i="0" u="none" strike="noStrike" cap="none" normalizeH="0" baseline="0" dirty="0" smtClean="0">
+                <a:ln>
+                  <a:noFill/>
+                </a:ln>
+                <a:solidFill>
+                  <a:srgbClr val="4374B7"/>
+                </a:solidFill>
+                <a:effectLst/>
+                <a:latin typeface="Helvetica Neue"/>
+                <a:hlinkClick r:id="rId5"/>
+              </a:rPr>
+              <a:t>Creative Commons Attribution-</a:t>
+            </a:r>
+            <a:r>
+              <a:rPr kumimoji="0" lang="en-US" altLang="en-US" sz="2000" b="0" i="0" u="none" strike="noStrike" cap="none" normalizeH="0" baseline="0" dirty="0" err="1" smtClean="0">
+                <a:ln>
+                  <a:noFill/>
+                </a:ln>
+                <a:solidFill>
+                  <a:srgbClr val="4374B7"/>
+                </a:solidFill>
+                <a:effectLst/>
+                <a:latin typeface="Helvetica Neue"/>
+                <a:hlinkClick r:id="rId5"/>
+              </a:rPr>
+              <a:t>NonCommercial</a:t>
+            </a:r>
+            <a:r>
+              <a:rPr kumimoji="0" lang="en-US" altLang="en-US" sz="2000" b="0" i="0" u="none" strike="noStrike" cap="none" normalizeH="0" baseline="0" dirty="0" smtClean="0">
+                <a:ln>
+                  <a:noFill/>
+                </a:ln>
+                <a:solidFill>
+                  <a:srgbClr val="4374B7"/>
+                </a:solidFill>
+                <a:effectLst/>
+                <a:latin typeface="Helvetica Neue"/>
+                <a:hlinkClick r:id="rId5"/>
+              </a:rPr>
+              <a:t>-</a:t>
+            </a:r>
+            <a:r>
+              <a:rPr kumimoji="0" lang="en-US" altLang="en-US" sz="2000" b="0" i="0" u="none" strike="noStrike" cap="none" normalizeH="0" baseline="0" dirty="0" err="1" smtClean="0">
+                <a:ln>
+                  <a:noFill/>
+                </a:ln>
+                <a:solidFill>
+                  <a:srgbClr val="4374B7"/>
+                </a:solidFill>
+                <a:effectLst/>
+                <a:latin typeface="Helvetica Neue"/>
+                <a:hlinkClick r:id="rId5"/>
+              </a:rPr>
+              <a:t>ShareAlike</a:t>
+            </a:r>
+            <a:r>
+              <a:rPr kumimoji="0" lang="en-US" altLang="en-US" sz="2000" b="0" i="0" u="none" strike="noStrike" cap="none" normalizeH="0" baseline="0" dirty="0" smtClean="0">
+                <a:ln>
+                  <a:noFill/>
+                </a:ln>
+                <a:solidFill>
+                  <a:srgbClr val="4374B7"/>
+                </a:solidFill>
+                <a:effectLst/>
+                <a:latin typeface="Helvetica Neue"/>
+                <a:hlinkClick r:id="rId5"/>
+              </a:rPr>
+              <a:t> 4.0 International License</a:t>
+            </a:r>
+            <a:r>
+              <a:rPr kumimoji="0" lang="en-US" altLang="en-US" sz="2000" b="0" i="0" u="none" strike="noStrike" cap="none" normalizeH="0" baseline="0" dirty="0" smtClean="0">
+                <a:ln>
+                  <a:noFill/>
+                </a:ln>
+                <a:solidFill>
+                  <a:srgbClr val="000000"/>
+                </a:solidFill>
+                <a:effectLst/>
+                <a:latin typeface="Helvetica Neue"/>
+              </a:rPr>
+              <a:t>.</a:t>
+            </a:r>
+            <a:r>
+              <a:rPr kumimoji="0" lang="en-US" altLang="en-US" sz="1600" b="0" i="0" u="none" strike="noStrike" cap="none" normalizeH="0" baseline="0" dirty="0" smtClean="0">
+                <a:ln>
+                  <a:noFill/>
+                </a:ln>
+                <a:solidFill>
+                  <a:schemeClr val="tx1"/>
+                </a:solidFill>
+                <a:effectLst/>
+              </a:rPr>
+              <a:t> </a:t>
+            </a:r>
+            <a:endParaRPr kumimoji="0" lang="en-US" altLang="en-US" sz="2000" b="0" i="0" u="none" strike="noStrike" cap="none" normalizeH="0" baseline="0" dirty="0" smtClean="0">
+              <a:ln>
+                <a:noFill/>
+              </a:ln>
+              <a:solidFill>
+                <a:srgbClr val="4374B7"/>
+              </a:solidFill>
+              <a:effectLst/>
+              <a:latin typeface="Helvetica Neue"/>
+            </a:endParaRPr>
           </a:p>
         </p:txBody>
       </p:sp>
       <p:pic>
         <p:nvPicPr>
-          <p:cNvPr id="3" name="Picture 2" descr="Screen Shot 2014-10-18 at 3.58.32 PM.png"/>
+          <p:cNvPr id="6" name="Picture 2" descr="Creative Commons License">
+            <a:hlinkClick r:id="rId5"/>
+          </p:cNvPr>
           <p:cNvPicPr>
-            <a:picLocks noChangeAspect="1"/>
+            <a:picLocks noChangeAspect="1" noChangeArrowheads="1"/>
           </p:cNvPicPr>
           <p:nvPr/>
         </p:nvPicPr>
         <p:blipFill>
-          <a:blip r:embed="rId2" cstate="email">
+          <a:blip r:embed="rId6">
             <a:extLst>
               <a:ext uri="{28A0092B-C50C-407E-A947-70E740481C1C}">
                 <a14:useLocalDpi xmlns:a14="http://schemas.microsoft.com/office/drawing/2010/main" val="0"/>
               </a:ext>
             </a:extLst>
           </a:blip>
+          <a:srcRect/>
           <a:stretch>
             <a:fillRect/>
           </a:stretch>
         </p:blipFill>
-        <p:spPr>
+        <p:spPr bwMode="auto">
           <a:xfrm>
-            <a:off x="403056" y="1901831"/>
-            <a:ext cx="8134888" cy="4625163"/>
+            <a:off x="3729359" y="4787226"/>
+            <a:ext cx="2161449" cy="761422"/>
           </a:xfrm>
           <a:prstGeom prst="rect">
             <a:avLst/>
           </a:prstGeom>
+          <a:noFill/>
+          <a:extLst>
+            <a:ext uri="{909E8E84-426E-40DD-AFC4-6F175D3DCCD1}">
+              <a14:hiddenFill xmlns:a14="http://schemas.microsoft.com/office/drawing/2010/main">
+                <a:solidFill>
+                  <a:srgbClr val="FFFFFF"/>
+                </a:solidFill>
+              </a14:hiddenFill>
+            </a:ext>
+          </a:extLst>
         </p:spPr>
       </p:pic>
       <p:sp>
         <p:nvSpPr>
-          <p:cNvPr id="5" name="Slide Number Placeholder 4"/>
+          <p:cNvPr id="7" name="Slide Number Placeholder 6"/>
           <p:cNvSpPr>
             <a:spLocks noGrp="1"/>
           </p:cNvSpPr>
@@ -14621,537 +14178,24 @@
           </a:p>
         </p:txBody>
       </p:sp>
-      <p:sp>
-        <p:nvSpPr>
-          <p:cNvPr id="7" name="CaixaDeTexto 6"/>
-          <p:cNvSpPr txBox="1"/>
-          <p:nvPr/>
-        </p:nvSpPr>
-        <p:spPr>
-          <a:xfrm>
-            <a:off x="2600958" y="1901831"/>
-            <a:ext cx="3961887" cy="677108"/>
-          </a:xfrm>
-          <a:prstGeom prst="rect">
-            <a:avLst/>
-          </a:prstGeom>
-        </p:spPr>
-        <p:style>
-          <a:lnRef idx="2">
-            <a:schemeClr val="accent6">
-              <a:shade val="50000"/>
-            </a:schemeClr>
-          </a:lnRef>
-          <a:fillRef idx="1">
-            <a:schemeClr val="accent6"/>
-          </a:fillRef>
-          <a:effectRef idx="0">
-            <a:schemeClr val="accent6"/>
-          </a:effectRef>
-          <a:fontRef idx="minor">
-            <a:schemeClr val="lt1"/>
-          </a:fontRef>
-        </p:style>
-        <p:txBody>
-          <a:bodyPr wrap="square" rtlCol="0">
-            <a:spAutoFit/>
-          </a:bodyPr>
-          <a:lstStyle/>
-          <a:p>
-            <a:r>
-              <a:rPr lang="pt-BR" sz="950" dirty="0" smtClean="0"/>
-              <a:t>O objetivo desta programação é criar uma curva esquerda articulada proporcional que termina depois da soma dos segundos. Obrigado “</a:t>
-            </a:r>
-            <a:r>
-              <a:rPr lang="pt-BR" sz="950" dirty="0" err="1" smtClean="0"/>
-              <a:t>Constructions</a:t>
-            </a:r>
-            <a:r>
-              <a:rPr lang="pt-BR" sz="950" dirty="0"/>
-              <a:t> </a:t>
-            </a:r>
-            <a:r>
-              <a:rPr lang="pt-BR" sz="950" dirty="0" smtClean="0"/>
-              <a:t>Mavericks” pelo código original que nós modificamos para essa lição! :-)</a:t>
-            </a:r>
-            <a:endParaRPr lang="pt-BR" sz="950" dirty="0"/>
-          </a:p>
-        </p:txBody>
-      </p:sp>
-      <p:sp>
-        <p:nvSpPr>
-          <p:cNvPr id="8" name="CaixaDeTexto 7"/>
-          <p:cNvSpPr txBox="1"/>
-          <p:nvPr/>
-        </p:nvSpPr>
-        <p:spPr>
-          <a:xfrm>
-            <a:off x="3028208" y="3114106"/>
-            <a:ext cx="536796" cy="507831"/>
-          </a:xfrm>
-          <a:prstGeom prst="rect">
-            <a:avLst/>
-          </a:prstGeom>
-        </p:spPr>
-        <p:style>
-          <a:lnRef idx="2">
-            <a:schemeClr val="accent6">
-              <a:shade val="50000"/>
-            </a:schemeClr>
-          </a:lnRef>
-          <a:fillRef idx="1">
-            <a:schemeClr val="accent6"/>
-          </a:fillRef>
-          <a:effectRef idx="0">
-            <a:schemeClr val="accent6"/>
-          </a:effectRef>
-          <a:fontRef idx="minor">
-            <a:schemeClr val="lt1"/>
-          </a:fontRef>
-        </p:style>
-        <p:txBody>
-          <a:bodyPr wrap="square" rtlCol="0">
-            <a:spAutoFit/>
-          </a:bodyPr>
-          <a:lstStyle/>
-          <a:p>
-            <a:r>
-              <a:rPr lang="pt-BR" sz="900" dirty="0" smtClean="0"/>
-              <a:t>Ler o Sensor </a:t>
-            </a:r>
-            <a:r>
-              <a:rPr lang="pt-BR" sz="900" dirty="0" err="1" smtClean="0"/>
-              <a:t>Gyro</a:t>
-            </a:r>
-            <a:endParaRPr lang="pt-BR" sz="900" dirty="0"/>
-          </a:p>
-        </p:txBody>
-      </p:sp>
-      <p:sp>
-        <p:nvSpPr>
-          <p:cNvPr id="9" name="CaixaDeTexto 8"/>
-          <p:cNvSpPr txBox="1"/>
-          <p:nvPr/>
-        </p:nvSpPr>
-        <p:spPr>
-          <a:xfrm>
-            <a:off x="3680622" y="3099979"/>
-            <a:ext cx="1171438" cy="530915"/>
-          </a:xfrm>
-          <a:prstGeom prst="rect">
-            <a:avLst/>
-          </a:prstGeom>
-        </p:spPr>
-        <p:style>
-          <a:lnRef idx="2">
-            <a:schemeClr val="accent6">
-              <a:shade val="50000"/>
-            </a:schemeClr>
-          </a:lnRef>
-          <a:fillRef idx="1">
-            <a:schemeClr val="accent6"/>
-          </a:fillRef>
-          <a:effectRef idx="0">
-            <a:schemeClr val="accent6"/>
-          </a:effectRef>
-          <a:fontRef idx="minor">
-            <a:schemeClr val="lt1"/>
-          </a:fontRef>
-        </p:style>
-        <p:txBody>
-          <a:bodyPr wrap="square" rtlCol="0">
-            <a:spAutoFit/>
-          </a:bodyPr>
-          <a:lstStyle/>
-          <a:p>
-            <a:r>
-              <a:rPr lang="pt-BR" sz="950" dirty="0" smtClean="0"/>
-              <a:t>Subtraia os graus desejados do ângulo corrente </a:t>
-            </a:r>
-            <a:endParaRPr lang="pt-BR" sz="950" dirty="0"/>
-          </a:p>
-        </p:txBody>
-      </p:sp>
-      <p:sp>
-        <p:nvSpPr>
-          <p:cNvPr id="10" name="CaixaDeTexto 9"/>
-          <p:cNvSpPr txBox="1"/>
-          <p:nvPr/>
-        </p:nvSpPr>
-        <p:spPr>
-          <a:xfrm>
-            <a:off x="5070764" y="3103744"/>
-            <a:ext cx="1204360" cy="530915"/>
-          </a:xfrm>
-          <a:prstGeom prst="rect">
-            <a:avLst/>
-          </a:prstGeom>
-        </p:spPr>
-        <p:style>
-          <a:lnRef idx="2">
-            <a:schemeClr val="accent6">
-              <a:shade val="50000"/>
-            </a:schemeClr>
-          </a:lnRef>
-          <a:fillRef idx="1">
-            <a:schemeClr val="accent6"/>
-          </a:fillRef>
-          <a:effectRef idx="0">
-            <a:schemeClr val="accent6"/>
-          </a:effectRef>
-          <a:fontRef idx="minor">
-            <a:schemeClr val="lt1"/>
-          </a:fontRef>
-        </p:style>
-        <p:txBody>
-          <a:bodyPr wrap="square" rtlCol="0">
-            <a:spAutoFit/>
-          </a:bodyPr>
-          <a:lstStyle/>
-          <a:p>
-            <a:r>
-              <a:rPr lang="pt-BR" sz="950" dirty="0" smtClean="0"/>
-              <a:t>Múltiplos erros se escalado é necessário</a:t>
-            </a:r>
-            <a:endParaRPr lang="pt-BR" sz="950" dirty="0"/>
-          </a:p>
-        </p:txBody>
-      </p:sp>
-      <p:sp>
-        <p:nvSpPr>
-          <p:cNvPr id="11" name="CaixaDeTexto 10"/>
-          <p:cNvSpPr txBox="1"/>
-          <p:nvPr/>
-        </p:nvSpPr>
-        <p:spPr>
-          <a:xfrm>
-            <a:off x="6336475" y="3091839"/>
-            <a:ext cx="868868" cy="530915"/>
-          </a:xfrm>
-          <a:prstGeom prst="rect">
-            <a:avLst/>
-          </a:prstGeom>
-        </p:spPr>
-        <p:style>
-          <a:lnRef idx="2">
-            <a:schemeClr val="accent6">
-              <a:shade val="50000"/>
-            </a:schemeClr>
-          </a:lnRef>
-          <a:fillRef idx="1">
-            <a:schemeClr val="accent6"/>
-          </a:fillRef>
-          <a:effectRef idx="0">
-            <a:schemeClr val="accent6"/>
-          </a:effectRef>
-          <a:fontRef idx="minor">
-            <a:schemeClr val="lt1"/>
-          </a:fontRef>
-        </p:style>
-        <p:txBody>
-          <a:bodyPr wrap="square" rtlCol="0">
-            <a:spAutoFit/>
-          </a:bodyPr>
-          <a:lstStyle/>
-          <a:p>
-            <a:r>
-              <a:rPr lang="pt-BR" sz="950" dirty="0" smtClean="0"/>
-              <a:t>Aplique a força computada</a:t>
-            </a:r>
-            <a:endParaRPr lang="pt-BR" sz="950" dirty="0"/>
-          </a:p>
-        </p:txBody>
-      </p:sp>
-      <p:sp>
-        <p:nvSpPr>
-          <p:cNvPr id="12" name="CaixaDeTexto 11"/>
-          <p:cNvSpPr txBox="1"/>
-          <p:nvPr/>
-        </p:nvSpPr>
-        <p:spPr>
-          <a:xfrm>
-            <a:off x="7374576" y="2805356"/>
-            <a:ext cx="943758" cy="823302"/>
-          </a:xfrm>
-          <a:prstGeom prst="rect">
-            <a:avLst/>
-          </a:prstGeom>
-        </p:spPr>
-        <p:style>
-          <a:lnRef idx="2">
-            <a:schemeClr val="accent6">
-              <a:shade val="50000"/>
-            </a:schemeClr>
-          </a:lnRef>
-          <a:fillRef idx="1">
-            <a:schemeClr val="accent6"/>
-          </a:fillRef>
-          <a:effectRef idx="0">
-            <a:schemeClr val="accent6"/>
-          </a:effectRef>
-          <a:fontRef idx="minor">
-            <a:schemeClr val="lt1"/>
-          </a:fontRef>
-        </p:style>
-        <p:txBody>
-          <a:bodyPr wrap="square" rtlCol="0">
-            <a:spAutoFit/>
-          </a:bodyPr>
-          <a:lstStyle/>
-          <a:p>
-            <a:r>
-              <a:rPr lang="pt-BR" sz="950" dirty="0" smtClean="0"/>
-              <a:t>Essas tentativas para alcançar o alvo nos segundos desejados</a:t>
-            </a:r>
-            <a:endParaRPr lang="pt-BR" sz="950" dirty="0"/>
-          </a:p>
-        </p:txBody>
-      </p:sp>
-      <p:sp>
-        <p:nvSpPr>
-          <p:cNvPr id="13" name="CaixaDeTexto 12"/>
-          <p:cNvSpPr txBox="1"/>
-          <p:nvPr/>
-        </p:nvSpPr>
-        <p:spPr>
-          <a:xfrm>
-            <a:off x="1816926" y="4431801"/>
-            <a:ext cx="671452" cy="530915"/>
-          </a:xfrm>
-          <a:prstGeom prst="rect">
-            <a:avLst/>
-          </a:prstGeom>
-        </p:spPr>
-        <p:style>
-          <a:lnRef idx="2">
-            <a:schemeClr val="accent6">
-              <a:shade val="50000"/>
-            </a:schemeClr>
-          </a:lnRef>
-          <a:fillRef idx="1">
-            <a:schemeClr val="accent6"/>
-          </a:fillRef>
-          <a:effectRef idx="0">
-            <a:schemeClr val="accent6"/>
-          </a:effectRef>
-          <a:fontRef idx="minor">
-            <a:schemeClr val="lt1"/>
-          </a:fontRef>
-        </p:style>
-        <p:txBody>
-          <a:bodyPr wrap="square" rtlCol="0">
-            <a:spAutoFit/>
-          </a:bodyPr>
-          <a:lstStyle/>
-          <a:p>
-            <a:r>
-              <a:rPr lang="pt-BR" sz="950" dirty="0" err="1" smtClean="0"/>
-              <a:t>Resete</a:t>
-            </a:r>
-            <a:r>
-              <a:rPr lang="pt-BR" sz="950" dirty="0" smtClean="0"/>
-              <a:t> o </a:t>
-            </a:r>
-            <a:r>
-              <a:rPr lang="pt-BR" sz="950" dirty="0" err="1" smtClean="0"/>
-              <a:t>Gyro</a:t>
-            </a:r>
-            <a:r>
-              <a:rPr lang="pt-BR" sz="950" dirty="0" smtClean="0"/>
-              <a:t> primeiro</a:t>
-            </a:r>
-            <a:endParaRPr lang="pt-BR" sz="950" dirty="0"/>
-          </a:p>
-        </p:txBody>
-      </p:sp>
-      <p:sp>
-        <p:nvSpPr>
-          <p:cNvPr id="14" name="CaixaDeTexto 13"/>
-          <p:cNvSpPr txBox="1"/>
-          <p:nvPr/>
-        </p:nvSpPr>
-        <p:spPr>
-          <a:xfrm>
-            <a:off x="3078442" y="4551065"/>
-            <a:ext cx="1773618" cy="646331"/>
-          </a:xfrm>
-          <a:prstGeom prst="rect">
-            <a:avLst/>
-          </a:prstGeom>
-        </p:spPr>
-        <p:style>
-          <a:lnRef idx="2">
-            <a:schemeClr val="accent6">
-              <a:shade val="50000"/>
-            </a:schemeClr>
-          </a:lnRef>
-          <a:fillRef idx="1">
-            <a:schemeClr val="accent6"/>
-          </a:fillRef>
-          <a:effectRef idx="0">
-            <a:schemeClr val="accent6"/>
-          </a:effectRef>
-          <a:fontRef idx="minor">
-            <a:schemeClr val="lt1"/>
-          </a:fontRef>
-        </p:style>
-        <p:txBody>
-          <a:bodyPr wrap="square" rtlCol="0">
-            <a:spAutoFit/>
-          </a:bodyPr>
-          <a:lstStyle/>
-          <a:p>
-            <a:r>
-              <a:rPr lang="pt-BR" sz="1200" dirty="0" smtClean="0"/>
-              <a:t>Parte 1: Compute o Erro</a:t>
-            </a:r>
-          </a:p>
-          <a:p>
-            <a:r>
-              <a:rPr lang="pt-BR" sz="1200" dirty="0" smtClean="0"/>
-              <a:t>Erro é o Ângulo Corrente – Graus do Alvo</a:t>
-            </a:r>
-            <a:endParaRPr lang="pt-BR" sz="1200" dirty="0"/>
-          </a:p>
-        </p:txBody>
-      </p:sp>
-      <p:cxnSp>
-        <p:nvCxnSpPr>
-          <p:cNvPr id="15" name="Conector reto 14"/>
-          <p:cNvCxnSpPr/>
-          <p:nvPr/>
-        </p:nvCxnSpPr>
-        <p:spPr>
-          <a:xfrm>
-            <a:off x="4195091" y="4431801"/>
-            <a:ext cx="0" cy="1078350"/>
-          </a:xfrm>
-          <a:prstGeom prst="line">
-            <a:avLst/>
-          </a:prstGeom>
-          <a:ln>
-            <a:solidFill>
-              <a:schemeClr val="accent3">
-                <a:lumMod val="60000"/>
-                <a:lumOff val="40000"/>
-              </a:schemeClr>
-            </a:solidFill>
-          </a:ln>
-        </p:spPr>
-        <p:style>
-          <a:lnRef idx="2">
-            <a:schemeClr val="accent1"/>
-          </a:lnRef>
-          <a:fillRef idx="0">
-            <a:schemeClr val="accent1"/>
-          </a:fillRef>
-          <a:effectRef idx="1">
-            <a:schemeClr val="accent1"/>
-          </a:effectRef>
-          <a:fontRef idx="minor">
-            <a:schemeClr val="tx1"/>
-          </a:fontRef>
-        </p:style>
-      </p:cxnSp>
-      <p:sp>
-        <p:nvSpPr>
-          <p:cNvPr id="16" name="CaixaDeTexto 15"/>
-          <p:cNvSpPr txBox="1"/>
-          <p:nvPr/>
-        </p:nvSpPr>
-        <p:spPr>
-          <a:xfrm>
-            <a:off x="5070763" y="4491690"/>
-            <a:ext cx="2600697" cy="1531188"/>
-          </a:xfrm>
-          <a:prstGeom prst="rect">
-            <a:avLst/>
-          </a:prstGeom>
-        </p:spPr>
-        <p:style>
-          <a:lnRef idx="2">
-            <a:schemeClr val="accent6">
-              <a:shade val="50000"/>
-            </a:schemeClr>
-          </a:lnRef>
-          <a:fillRef idx="1">
-            <a:schemeClr val="accent6"/>
-          </a:fillRef>
-          <a:effectRef idx="0">
-            <a:schemeClr val="accent6"/>
-          </a:effectRef>
-          <a:fontRef idx="minor">
-            <a:schemeClr val="lt1"/>
-          </a:fontRef>
-        </p:style>
-        <p:txBody>
-          <a:bodyPr wrap="square" rtlCol="0">
-            <a:spAutoFit/>
-          </a:bodyPr>
-          <a:lstStyle/>
-          <a:p>
-            <a:r>
-              <a:rPr lang="pt-BR" sz="850" dirty="0" smtClean="0"/>
-              <a:t>Parte 2: Compute e Aplique a Correção</a:t>
-            </a:r>
-            <a:endParaRPr lang="pt-BR" sz="850" dirty="0"/>
-          </a:p>
-          <a:p>
-            <a:r>
-              <a:rPr lang="pt-BR" sz="850" dirty="0" smtClean="0"/>
-              <a:t>Nós multiplicamos o Erro da Parte 1 por 1 porquê nós não precisamos escalar o poder, mas você poderia precisar.</a:t>
-            </a:r>
-            <a:endParaRPr lang="pt-BR" sz="850" dirty="0"/>
-          </a:p>
-          <a:p>
-            <a:r>
-              <a:rPr lang="pt-BR" sz="850" dirty="0" smtClean="0"/>
-              <a:t>Exemplo:</a:t>
-            </a:r>
-          </a:p>
-          <a:p>
-            <a:r>
-              <a:rPr lang="pt-BR" sz="850" dirty="0" smtClean="0"/>
-              <a:t>Alvo = 90 graus</a:t>
-            </a:r>
-          </a:p>
-          <a:p>
-            <a:r>
-              <a:rPr lang="pt-BR" sz="850" dirty="0" smtClean="0"/>
-              <a:t>Sensor Lendo = 10 graus</a:t>
-            </a:r>
-          </a:p>
-          <a:p>
-            <a:r>
-              <a:rPr lang="pt-BR" sz="850" dirty="0" smtClean="0"/>
-              <a:t>Erro = 80 graus</a:t>
-            </a:r>
-          </a:p>
-          <a:p>
-            <a:r>
-              <a:rPr lang="pt-BR" sz="850" dirty="0" smtClean="0"/>
-              <a:t>Erro *1= (80*1) = força 80</a:t>
-            </a:r>
-          </a:p>
-          <a:p>
-            <a:r>
-              <a:rPr lang="pt-BR" sz="850" dirty="0" smtClean="0"/>
-              <a:t>Força 80 é uma boa velocidade para ser usada em 90 graus do alvo de nosso robô</a:t>
-            </a:r>
-            <a:endParaRPr lang="pt-BR" sz="850" dirty="0"/>
-          </a:p>
-        </p:txBody>
-      </p:sp>
     </p:spTree>
     <p:extLst>
       <p:ext uri="{BB962C8B-B14F-4D97-AF65-F5344CB8AC3E}">
-        <p14:creationId xmlns:p14="http://schemas.microsoft.com/office/powerpoint/2010/main" val="3838014035"/>
+        <p14:creationId xmlns:p14="http://schemas.microsoft.com/office/powerpoint/2010/main" val="4261110021"/>
       </p:ext>
     </p:extLst>
   </p:cSld>
   <p:clrMapOvr>
     <a:masterClrMapping/>
   </p:clrMapOvr>
+  <mc:AlternateContent xmlns:mc="http://schemas.openxmlformats.org/markup-compatibility/2006" xmlns:p14="http://schemas.microsoft.com/office/powerpoint/2010/main">
+    <mc:Choice Requires="p14">
+      <p:transition spd="slow" p14:dur="2000"/>
+    </mc:Choice>
+    <mc:Fallback xmlns="">
+      <p:transition spd="slow"/>
+    </mc:Fallback>
+  </mc:AlternateContent>
   <p:timing>
     <p:tnLst>
       <p:par>
@@ -15159,644 +14203,6 @@
       </p:par>
     </p:tnLst>
   </p:timing>
-</p:sld>
-</file>
-
-<file path=ppt/slides/slide9.xml><?xml version="1.0" encoding="utf-8"?>
-<p:sld xmlns:a="http://schemas.openxmlformats.org/drawingml/2006/main" xmlns:r="http://schemas.openxmlformats.org/officeDocument/2006/relationships" xmlns:p="http://schemas.openxmlformats.org/presentationml/2006/main">
-  <p:cSld>
-    <p:spTree>
-      <p:nvGrpSpPr>
-        <p:cNvPr id="1" name=""/>
-        <p:cNvGrpSpPr/>
-        <p:nvPr/>
-      </p:nvGrpSpPr>
-      <p:grpSpPr>
-        <a:xfrm>
-          <a:off x="0" y="0"/>
-          <a:ext cx="0" cy="0"/>
-          <a:chOff x="0" y="0"/>
-          <a:chExt cx="0" cy="0"/>
-        </a:xfrm>
-      </p:grpSpPr>
-      <p:sp>
-        <p:nvSpPr>
-          <p:cNvPr id="2" name="Title 1"/>
-          <p:cNvSpPr>
-            <a:spLocks noGrp="1"/>
-          </p:cNvSpPr>
-          <p:nvPr>
-            <p:ph type="title"/>
-          </p:nvPr>
-        </p:nvSpPr>
-        <p:spPr>
-          <a:noFill/>
-        </p:spPr>
-        <p:txBody>
-          <a:bodyPr/>
-          <a:lstStyle/>
-          <a:p>
-            <a:r>
-              <a:rPr lang="en-US" dirty="0" smtClean="0"/>
-              <a:t>Gyro: </a:t>
-            </a:r>
-            <a:r>
-              <a:rPr lang="en-US" dirty="0" err="1" smtClean="0"/>
-              <a:t>Curva</a:t>
-            </a:r>
-            <a:r>
-              <a:rPr lang="en-US" dirty="0" smtClean="0"/>
-              <a:t> </a:t>
-            </a:r>
-            <a:r>
-              <a:rPr lang="en-US" dirty="0" err="1" smtClean="0"/>
-              <a:t>na</a:t>
-            </a:r>
-            <a:r>
-              <a:rPr lang="en-US" dirty="0" smtClean="0"/>
-              <a:t> </a:t>
-            </a:r>
-            <a:r>
-              <a:rPr lang="en-US" dirty="0" err="1"/>
-              <a:t>d</a:t>
-            </a:r>
-            <a:r>
-              <a:rPr lang="en-US" dirty="0" err="1" smtClean="0"/>
-              <a:t>ireita</a:t>
-            </a:r>
-            <a:endParaRPr lang="en-US" dirty="0"/>
-          </a:p>
-        </p:txBody>
-      </p:sp>
-      <p:sp>
-        <p:nvSpPr>
-          <p:cNvPr id="4" name="Footer Placeholder 3"/>
-          <p:cNvSpPr>
-            <a:spLocks noGrp="1"/>
-          </p:cNvSpPr>
-          <p:nvPr>
-            <p:ph type="ftr" sz="quarter" idx="11"/>
-          </p:nvPr>
-        </p:nvSpPr>
-        <p:spPr/>
-        <p:txBody>
-          <a:bodyPr/>
-          <a:lstStyle/>
-          <a:p>
-            <a:r>
-              <a:rPr lang="en-US" dirty="0" smtClean="0"/>
-              <a:t>© 2015 EV3Lessons.com, Last edit 1/30/2015</a:t>
-            </a:r>
-            <a:endParaRPr lang="en-US" dirty="0"/>
-          </a:p>
-        </p:txBody>
-      </p:sp>
-      <p:pic>
-        <p:nvPicPr>
-          <p:cNvPr id="6" name="Picture 5" descr="Screen Shot 2014-10-18 at 3.58.11 PM.png"/>
-          <p:cNvPicPr>
-            <a:picLocks noChangeAspect="1"/>
-          </p:cNvPicPr>
-          <p:nvPr/>
-        </p:nvPicPr>
-        <p:blipFill>
-          <a:blip r:embed="rId2" cstate="email">
-            <a:extLst>
-              <a:ext uri="{28A0092B-C50C-407E-A947-70E740481C1C}">
-                <a14:useLocalDpi xmlns:a14="http://schemas.microsoft.com/office/drawing/2010/main" val="0"/>
-              </a:ext>
-            </a:extLst>
-          </a:blip>
-          <a:stretch>
-            <a:fillRect/>
-          </a:stretch>
-        </p:blipFill>
-        <p:spPr>
-          <a:xfrm>
-            <a:off x="284163" y="1676062"/>
-            <a:ext cx="8484931" cy="4848532"/>
-          </a:xfrm>
-          <a:prstGeom prst="rect">
-            <a:avLst/>
-          </a:prstGeom>
-        </p:spPr>
-      </p:pic>
-      <p:sp>
-        <p:nvSpPr>
-          <p:cNvPr id="3" name="Slide Number Placeholder 2"/>
-          <p:cNvSpPr>
-            <a:spLocks noGrp="1"/>
-          </p:cNvSpPr>
-          <p:nvPr>
-            <p:ph type="sldNum" sz="quarter" idx="12"/>
-          </p:nvPr>
-        </p:nvSpPr>
-        <p:spPr/>
-        <p:txBody>
-          <a:bodyPr/>
-          <a:lstStyle/>
-          <a:p>
-            <a:fld id="{4382A7F7-08BF-4252-8141-63FB96055BBB}" type="slidenum">
-              <a:rPr lang="en-US" smtClean="0"/>
-              <a:t>9</a:t>
-            </a:fld>
-            <a:endParaRPr lang="en-US"/>
-          </a:p>
-        </p:txBody>
-      </p:sp>
-      <p:sp>
-        <p:nvSpPr>
-          <p:cNvPr id="9" name="CaixaDeTexto 8"/>
-          <p:cNvSpPr txBox="1"/>
-          <p:nvPr/>
-        </p:nvSpPr>
-        <p:spPr>
-          <a:xfrm>
-            <a:off x="2458193" y="1710298"/>
-            <a:ext cx="4104652" cy="530915"/>
-          </a:xfrm>
-          <a:prstGeom prst="rect">
-            <a:avLst/>
-          </a:prstGeom>
-        </p:spPr>
-        <p:style>
-          <a:lnRef idx="2">
-            <a:schemeClr val="accent6">
-              <a:shade val="50000"/>
-            </a:schemeClr>
-          </a:lnRef>
-          <a:fillRef idx="1">
-            <a:schemeClr val="accent6"/>
-          </a:fillRef>
-          <a:effectRef idx="0">
-            <a:schemeClr val="accent6"/>
-          </a:effectRef>
-          <a:fontRef idx="minor">
-            <a:schemeClr val="lt1"/>
-          </a:fontRef>
-        </p:style>
-        <p:txBody>
-          <a:bodyPr wrap="square" rtlCol="0">
-            <a:spAutoFit/>
-          </a:bodyPr>
-          <a:lstStyle/>
-          <a:p>
-            <a:r>
-              <a:rPr lang="pt-BR" sz="950" dirty="0" smtClean="0"/>
-              <a:t>O objetivo desta programação é criar uma curva direita articulada proporcional que termina depois da soma dos segundo. Obrigado “</a:t>
-            </a:r>
-            <a:r>
-              <a:rPr lang="pt-BR" sz="950" dirty="0" err="1" smtClean="0"/>
-              <a:t>Constructions</a:t>
-            </a:r>
-            <a:r>
-              <a:rPr lang="pt-BR" sz="950" dirty="0"/>
-              <a:t> </a:t>
-            </a:r>
-            <a:r>
-              <a:rPr lang="pt-BR" sz="950" dirty="0" smtClean="0"/>
-              <a:t>Mavericks” pelo código original que nós modificamos para essa lição! :-)</a:t>
-            </a:r>
-            <a:endParaRPr lang="pt-BR" sz="950" dirty="0"/>
-          </a:p>
-        </p:txBody>
-      </p:sp>
-      <p:sp>
-        <p:nvSpPr>
-          <p:cNvPr id="10" name="CaixaDeTexto 9"/>
-          <p:cNvSpPr txBox="1"/>
-          <p:nvPr/>
-        </p:nvSpPr>
-        <p:spPr>
-          <a:xfrm>
-            <a:off x="2873833" y="2947856"/>
-            <a:ext cx="536796" cy="507831"/>
-          </a:xfrm>
-          <a:prstGeom prst="rect">
-            <a:avLst/>
-          </a:prstGeom>
-        </p:spPr>
-        <p:style>
-          <a:lnRef idx="2">
-            <a:schemeClr val="accent6">
-              <a:shade val="50000"/>
-            </a:schemeClr>
-          </a:lnRef>
-          <a:fillRef idx="1">
-            <a:schemeClr val="accent6"/>
-          </a:fillRef>
-          <a:effectRef idx="0">
-            <a:schemeClr val="accent6"/>
-          </a:effectRef>
-          <a:fontRef idx="minor">
-            <a:schemeClr val="lt1"/>
-          </a:fontRef>
-        </p:style>
-        <p:txBody>
-          <a:bodyPr wrap="square" rtlCol="0">
-            <a:spAutoFit/>
-          </a:bodyPr>
-          <a:lstStyle/>
-          <a:p>
-            <a:r>
-              <a:rPr lang="pt-BR" sz="900" dirty="0" smtClean="0"/>
-              <a:t>Ler o Sensor </a:t>
-            </a:r>
-            <a:r>
-              <a:rPr lang="pt-BR" sz="900" dirty="0" err="1" smtClean="0"/>
-              <a:t>Gyro</a:t>
-            </a:r>
-            <a:endParaRPr lang="pt-BR" sz="900" dirty="0"/>
-          </a:p>
-        </p:txBody>
-      </p:sp>
-      <p:sp>
-        <p:nvSpPr>
-          <p:cNvPr id="11" name="CaixaDeTexto 10"/>
-          <p:cNvSpPr txBox="1"/>
-          <p:nvPr/>
-        </p:nvSpPr>
-        <p:spPr>
-          <a:xfrm>
-            <a:off x="3668747" y="2921854"/>
-            <a:ext cx="1171438" cy="530915"/>
-          </a:xfrm>
-          <a:prstGeom prst="rect">
-            <a:avLst/>
-          </a:prstGeom>
-        </p:spPr>
-        <p:style>
-          <a:lnRef idx="2">
-            <a:schemeClr val="accent6">
-              <a:shade val="50000"/>
-            </a:schemeClr>
-          </a:lnRef>
-          <a:fillRef idx="1">
-            <a:schemeClr val="accent6"/>
-          </a:fillRef>
-          <a:effectRef idx="0">
-            <a:schemeClr val="accent6"/>
-          </a:effectRef>
-          <a:fontRef idx="minor">
-            <a:schemeClr val="lt1"/>
-          </a:fontRef>
-        </p:style>
-        <p:txBody>
-          <a:bodyPr wrap="square" rtlCol="0">
-            <a:spAutoFit/>
-          </a:bodyPr>
-          <a:lstStyle/>
-          <a:p>
-            <a:r>
-              <a:rPr lang="pt-BR" sz="950" dirty="0" smtClean="0"/>
-              <a:t>Subtraia os graus desejados do ângulo corrente </a:t>
-            </a:r>
-            <a:endParaRPr lang="pt-BR" sz="950" dirty="0"/>
-          </a:p>
-        </p:txBody>
-      </p:sp>
-      <p:sp>
-        <p:nvSpPr>
-          <p:cNvPr id="12" name="CaixaDeTexto 11"/>
-          <p:cNvSpPr txBox="1"/>
-          <p:nvPr/>
-        </p:nvSpPr>
-        <p:spPr>
-          <a:xfrm>
-            <a:off x="5130139" y="2925619"/>
-            <a:ext cx="1204360" cy="530915"/>
-          </a:xfrm>
-          <a:prstGeom prst="rect">
-            <a:avLst/>
-          </a:prstGeom>
-        </p:spPr>
-        <p:style>
-          <a:lnRef idx="2">
-            <a:schemeClr val="accent6">
-              <a:shade val="50000"/>
-            </a:schemeClr>
-          </a:lnRef>
-          <a:fillRef idx="1">
-            <a:schemeClr val="accent6"/>
-          </a:fillRef>
-          <a:effectRef idx="0">
-            <a:schemeClr val="accent6"/>
-          </a:effectRef>
-          <a:fontRef idx="minor">
-            <a:schemeClr val="lt1"/>
-          </a:fontRef>
-        </p:style>
-        <p:txBody>
-          <a:bodyPr wrap="square" rtlCol="0">
-            <a:spAutoFit/>
-          </a:bodyPr>
-          <a:lstStyle/>
-          <a:p>
-            <a:r>
-              <a:rPr lang="pt-BR" sz="950" dirty="0" smtClean="0"/>
-              <a:t>Múltiplos erros se escalado é necessário</a:t>
-            </a:r>
-            <a:endParaRPr lang="pt-BR" sz="950" dirty="0"/>
-          </a:p>
-        </p:txBody>
-      </p:sp>
-      <p:sp>
-        <p:nvSpPr>
-          <p:cNvPr id="13" name="CaixaDeTexto 12"/>
-          <p:cNvSpPr txBox="1"/>
-          <p:nvPr/>
-        </p:nvSpPr>
-        <p:spPr>
-          <a:xfrm>
-            <a:off x="6419600" y="2925619"/>
-            <a:ext cx="868868" cy="530915"/>
-          </a:xfrm>
-          <a:prstGeom prst="rect">
-            <a:avLst/>
-          </a:prstGeom>
-        </p:spPr>
-        <p:style>
-          <a:lnRef idx="2">
-            <a:schemeClr val="accent6">
-              <a:shade val="50000"/>
-            </a:schemeClr>
-          </a:lnRef>
-          <a:fillRef idx="1">
-            <a:schemeClr val="accent6"/>
-          </a:fillRef>
-          <a:effectRef idx="0">
-            <a:schemeClr val="accent6"/>
-          </a:effectRef>
-          <a:fontRef idx="minor">
-            <a:schemeClr val="lt1"/>
-          </a:fontRef>
-        </p:style>
-        <p:txBody>
-          <a:bodyPr wrap="square" rtlCol="0">
-            <a:spAutoFit/>
-          </a:bodyPr>
-          <a:lstStyle/>
-          <a:p>
-            <a:r>
-              <a:rPr lang="pt-BR" sz="950" dirty="0" smtClean="0"/>
-              <a:t>Aplique a força computada</a:t>
-            </a:r>
-            <a:endParaRPr lang="pt-BR" sz="950" dirty="0"/>
-          </a:p>
-        </p:txBody>
-      </p:sp>
-      <p:sp>
-        <p:nvSpPr>
-          <p:cNvPr id="14" name="CaixaDeTexto 13"/>
-          <p:cNvSpPr txBox="1"/>
-          <p:nvPr/>
-        </p:nvSpPr>
-        <p:spPr>
-          <a:xfrm>
-            <a:off x="7540826" y="2627231"/>
-            <a:ext cx="943758" cy="823302"/>
-          </a:xfrm>
-          <a:prstGeom prst="rect">
-            <a:avLst/>
-          </a:prstGeom>
-        </p:spPr>
-        <p:style>
-          <a:lnRef idx="2">
-            <a:schemeClr val="accent6">
-              <a:shade val="50000"/>
-            </a:schemeClr>
-          </a:lnRef>
-          <a:fillRef idx="1">
-            <a:schemeClr val="accent6"/>
-          </a:fillRef>
-          <a:effectRef idx="0">
-            <a:schemeClr val="accent6"/>
-          </a:effectRef>
-          <a:fontRef idx="minor">
-            <a:schemeClr val="lt1"/>
-          </a:fontRef>
-        </p:style>
-        <p:txBody>
-          <a:bodyPr wrap="square" rtlCol="0">
-            <a:spAutoFit/>
-          </a:bodyPr>
-          <a:lstStyle/>
-          <a:p>
-            <a:r>
-              <a:rPr lang="pt-BR" sz="950" dirty="0" smtClean="0"/>
-              <a:t>Essas tentativas para alcançar o alvo nos segundos desejados</a:t>
-            </a:r>
-            <a:endParaRPr lang="pt-BR" sz="950" dirty="0"/>
-          </a:p>
-        </p:txBody>
-      </p:sp>
-      <p:sp>
-        <p:nvSpPr>
-          <p:cNvPr id="15" name="CaixaDeTexto 14"/>
-          <p:cNvSpPr txBox="1"/>
-          <p:nvPr/>
-        </p:nvSpPr>
-        <p:spPr>
-          <a:xfrm>
-            <a:off x="1686301" y="4301176"/>
-            <a:ext cx="671452" cy="530915"/>
-          </a:xfrm>
-          <a:prstGeom prst="rect">
-            <a:avLst/>
-          </a:prstGeom>
-        </p:spPr>
-        <p:style>
-          <a:lnRef idx="2">
-            <a:schemeClr val="accent6">
-              <a:shade val="50000"/>
-            </a:schemeClr>
-          </a:lnRef>
-          <a:fillRef idx="1">
-            <a:schemeClr val="accent6"/>
-          </a:fillRef>
-          <a:effectRef idx="0">
-            <a:schemeClr val="accent6"/>
-          </a:effectRef>
-          <a:fontRef idx="minor">
-            <a:schemeClr val="lt1"/>
-          </a:fontRef>
-        </p:style>
-        <p:txBody>
-          <a:bodyPr wrap="square" rtlCol="0">
-            <a:spAutoFit/>
-          </a:bodyPr>
-          <a:lstStyle/>
-          <a:p>
-            <a:r>
-              <a:rPr lang="pt-BR" sz="950" dirty="0" err="1" smtClean="0"/>
-              <a:t>Resete</a:t>
-            </a:r>
-            <a:r>
-              <a:rPr lang="pt-BR" sz="950" dirty="0" smtClean="0"/>
-              <a:t> o </a:t>
-            </a:r>
-            <a:r>
-              <a:rPr lang="pt-BR" sz="950" dirty="0" err="1" smtClean="0"/>
-              <a:t>Gyro</a:t>
-            </a:r>
-            <a:r>
-              <a:rPr lang="pt-BR" sz="950" dirty="0" smtClean="0"/>
-              <a:t> primeiro</a:t>
-            </a:r>
-            <a:endParaRPr lang="pt-BR" sz="950" dirty="0"/>
-          </a:p>
-        </p:txBody>
-      </p:sp>
-      <p:sp>
-        <p:nvSpPr>
-          <p:cNvPr id="16" name="CaixaDeTexto 15"/>
-          <p:cNvSpPr txBox="1"/>
-          <p:nvPr/>
-        </p:nvSpPr>
-        <p:spPr>
-          <a:xfrm>
-            <a:off x="2959687" y="4408561"/>
-            <a:ext cx="1880498" cy="1169551"/>
-          </a:xfrm>
-          <a:prstGeom prst="rect">
-            <a:avLst/>
-          </a:prstGeom>
-        </p:spPr>
-        <p:style>
-          <a:lnRef idx="2">
-            <a:schemeClr val="accent6">
-              <a:shade val="50000"/>
-            </a:schemeClr>
-          </a:lnRef>
-          <a:fillRef idx="1">
-            <a:schemeClr val="accent6"/>
-          </a:fillRef>
-          <a:effectRef idx="0">
-            <a:schemeClr val="accent6"/>
-          </a:effectRef>
-          <a:fontRef idx="minor">
-            <a:schemeClr val="lt1"/>
-          </a:fontRef>
-        </p:style>
-        <p:txBody>
-          <a:bodyPr wrap="square" rtlCol="0">
-            <a:spAutoFit/>
-          </a:bodyPr>
-          <a:lstStyle/>
-          <a:p>
-            <a:r>
-              <a:rPr lang="pt-BR" sz="1400" dirty="0" smtClean="0"/>
-              <a:t>Parte 1: Compute o Erro</a:t>
-            </a:r>
-          </a:p>
-          <a:p>
-            <a:r>
-              <a:rPr lang="pt-BR" sz="1400" dirty="0" smtClean="0"/>
-              <a:t>Erro é o Ângulo Corrente – Graus do Alvo</a:t>
-            </a:r>
-            <a:endParaRPr lang="pt-BR" sz="1400" dirty="0"/>
-          </a:p>
-        </p:txBody>
-      </p:sp>
-      <p:sp>
-        <p:nvSpPr>
-          <p:cNvPr id="17" name="CaixaDeTexto 16"/>
-          <p:cNvSpPr txBox="1"/>
-          <p:nvPr/>
-        </p:nvSpPr>
-        <p:spPr>
-          <a:xfrm>
-            <a:off x="5119252" y="4301176"/>
-            <a:ext cx="2540332" cy="1785104"/>
-          </a:xfrm>
-          <a:prstGeom prst="rect">
-            <a:avLst/>
-          </a:prstGeom>
-        </p:spPr>
-        <p:style>
-          <a:lnRef idx="2">
-            <a:schemeClr val="accent6">
-              <a:shade val="50000"/>
-            </a:schemeClr>
-          </a:lnRef>
-          <a:fillRef idx="1">
-            <a:schemeClr val="accent6"/>
-          </a:fillRef>
-          <a:effectRef idx="0">
-            <a:schemeClr val="accent6"/>
-          </a:effectRef>
-          <a:fontRef idx="minor">
-            <a:schemeClr val="lt1"/>
-          </a:fontRef>
-        </p:style>
-        <p:txBody>
-          <a:bodyPr wrap="square" rtlCol="0">
-            <a:spAutoFit/>
-          </a:bodyPr>
-          <a:lstStyle/>
-          <a:p>
-            <a:r>
-              <a:rPr lang="pt-BR" sz="1000" dirty="0" smtClean="0"/>
-              <a:t>Parte 2: Compute e Aplique a Correção</a:t>
-            </a:r>
-            <a:endParaRPr lang="pt-BR" sz="1000" dirty="0"/>
-          </a:p>
-          <a:p>
-            <a:r>
-              <a:rPr lang="pt-BR" sz="1000" dirty="0" smtClean="0"/>
-              <a:t>Nós multiplicamos o Erro da Parte 1 por 1 porquê nós não precisamos escalar o poder, mas você poderia precisar.</a:t>
-            </a:r>
-            <a:endParaRPr lang="pt-BR" sz="1000" dirty="0"/>
-          </a:p>
-          <a:p>
-            <a:r>
-              <a:rPr lang="pt-BR" sz="1000" dirty="0" smtClean="0"/>
-              <a:t>Exemplo:</a:t>
-            </a:r>
-          </a:p>
-          <a:p>
-            <a:r>
-              <a:rPr lang="pt-BR" sz="1000" dirty="0" smtClean="0"/>
-              <a:t>Alvo = 90 graus</a:t>
-            </a:r>
-          </a:p>
-          <a:p>
-            <a:r>
-              <a:rPr lang="pt-BR" sz="1000" dirty="0" smtClean="0"/>
-              <a:t>Sensor Lendo = 10 graus</a:t>
-            </a:r>
-          </a:p>
-          <a:p>
-            <a:r>
-              <a:rPr lang="pt-BR" sz="1000" dirty="0" smtClean="0"/>
-              <a:t>Erro = 80 graus</a:t>
-            </a:r>
-          </a:p>
-          <a:p>
-            <a:r>
-              <a:rPr lang="pt-BR" sz="1000" dirty="0" smtClean="0"/>
-              <a:t>Erro *1= (80*1) = força 80</a:t>
-            </a:r>
-          </a:p>
-          <a:p>
-            <a:r>
-              <a:rPr lang="pt-BR" sz="1000" dirty="0" smtClean="0"/>
-              <a:t>Força 80 é uma boa velocidade para ser usada em 90 graus do alvo de nosso robô</a:t>
-            </a:r>
-            <a:endParaRPr lang="pt-BR" sz="1000" dirty="0"/>
-          </a:p>
-        </p:txBody>
-      </p:sp>
-    </p:spTree>
-    <p:extLst>
-      <p:ext uri="{BB962C8B-B14F-4D97-AF65-F5344CB8AC3E}">
-        <p14:creationId xmlns:p14="http://schemas.microsoft.com/office/powerpoint/2010/main" val="3750282875"/>
-      </p:ext>
-    </p:extLst>
-  </p:cSld>
-  <p:clrMapOvr>
-    <a:masterClrMapping/>
-  </p:clrMapOvr>
 </p:sld>
 </file>
 
